--- a/Total War AI.pptx
+++ b/Total War AI.pptx
@@ -4,6 +4,9 @@
   <p:sldMasterIdLst>
     <p:sldMasterId id="2147483678" r:id="rId1"/>
   </p:sldMasterIdLst>
+  <p:notesMasterIdLst>
+    <p:notesMasterId r:id="rId16"/>
+  </p:notesMasterIdLst>
   <p:sldIdLst>
     <p:sldId id="256" r:id="rId2"/>
     <p:sldId id="257" r:id="rId3"/>
@@ -14,8 +17,11 @@
     <p:sldId id="263" r:id="rId8"/>
     <p:sldId id="266" r:id="rId9"/>
     <p:sldId id="267" r:id="rId10"/>
-    <p:sldId id="268" r:id="rId11"/>
-    <p:sldId id="262" r:id="rId12"/>
+    <p:sldId id="269" r:id="rId11"/>
+    <p:sldId id="268" r:id="rId12"/>
+    <p:sldId id="270" r:id="rId13"/>
+    <p:sldId id="271" r:id="rId14"/>
+    <p:sldId id="262" r:id="rId15"/>
   </p:sldIdLst>
   <p:sldSz cx="12192000" cy="6858000"/>
   <p:notesSz cx="6858000" cy="9144000"/>
@@ -114,7 +120,613 @@
       </a:defRPr>
     </a:lvl9pPr>
   </p:defaultTextStyle>
+  <p:extLst>
+    <p:ext uri="{EFAFB233-063F-42B5-8137-9DF3F51BA10A}">
+      <p15:sldGuideLst xmlns:p15="http://schemas.microsoft.com/office/powerpoint/2012/main"/>
+    </p:ext>
+  </p:extLst>
 </p:presentation>
+</file>
+
+<file path=ppt/notesMasters/notesMaster1.xml><?xml version="1.0" encoding="utf-8"?>
+<p:notesMaster xmlns:a="http://schemas.openxmlformats.org/drawingml/2006/main" xmlns:r="http://schemas.openxmlformats.org/officeDocument/2006/relationships" xmlns:p="http://schemas.openxmlformats.org/presentationml/2006/main">
+  <p:cSld>
+    <p:bg>
+      <p:bgRef idx="1001">
+        <a:schemeClr val="bg1"/>
+      </p:bgRef>
+    </p:bg>
+    <p:spTree>
+      <p:nvGrpSpPr>
+        <p:cNvPr id="1" name=""/>
+        <p:cNvGrpSpPr/>
+        <p:nvPr/>
+      </p:nvGrpSpPr>
+      <p:grpSpPr>
+        <a:xfrm>
+          <a:off x="0" y="0"/>
+          <a:ext cx="0" cy="0"/>
+          <a:chOff x="0" y="0"/>
+          <a:chExt cx="0" cy="0"/>
+        </a:xfrm>
+      </p:grpSpPr>
+      <p:sp>
+        <p:nvSpPr>
+          <p:cNvPr id="2" name="Zástupný symbol pro záhlaví 1"/>
+          <p:cNvSpPr>
+            <a:spLocks noGrp="1"/>
+          </p:cNvSpPr>
+          <p:nvPr>
+            <p:ph type="hdr" sz="quarter"/>
+          </p:nvPr>
+        </p:nvSpPr>
+        <p:spPr>
+          <a:xfrm>
+            <a:off x="0" y="0"/>
+            <a:ext cx="2971800" cy="458788"/>
+          </a:xfrm>
+          <a:prstGeom prst="rect">
+            <a:avLst/>
+          </a:prstGeom>
+        </p:spPr>
+        <p:txBody>
+          <a:bodyPr vert="horz" lIns="91440" tIns="45720" rIns="91440" bIns="45720" rtlCol="0"/>
+          <a:lstStyle>
+            <a:lvl1pPr algn="l">
+              <a:defRPr sz="1200"/>
+            </a:lvl1pPr>
+          </a:lstStyle>
+          <a:p>
+            <a:endParaRPr lang="cs-CZ"/>
+          </a:p>
+        </p:txBody>
+      </p:sp>
+      <p:sp>
+        <p:nvSpPr>
+          <p:cNvPr id="3" name="Zástupný symbol pro datum 2"/>
+          <p:cNvSpPr>
+            <a:spLocks noGrp="1"/>
+          </p:cNvSpPr>
+          <p:nvPr>
+            <p:ph type="dt" idx="1"/>
+          </p:nvPr>
+        </p:nvSpPr>
+        <p:spPr>
+          <a:xfrm>
+            <a:off x="3884613" y="0"/>
+            <a:ext cx="2971800" cy="458788"/>
+          </a:xfrm>
+          <a:prstGeom prst="rect">
+            <a:avLst/>
+          </a:prstGeom>
+        </p:spPr>
+        <p:txBody>
+          <a:bodyPr vert="horz" lIns="91440" tIns="45720" rIns="91440" bIns="45720" rtlCol="0"/>
+          <a:lstStyle>
+            <a:lvl1pPr algn="r">
+              <a:defRPr sz="1200"/>
+            </a:lvl1pPr>
+          </a:lstStyle>
+          <a:p>
+            <a:fld id="{1489684A-F504-47C9-A88F-6619422877D0}" type="datetimeFigureOut">
+              <a:rPr lang="cs-CZ" smtClean="0"/>
+              <a:t>01.05.2022</a:t>
+            </a:fld>
+            <a:endParaRPr lang="cs-CZ"/>
+          </a:p>
+        </p:txBody>
+      </p:sp>
+      <p:sp>
+        <p:nvSpPr>
+          <p:cNvPr id="4" name="Zástupný symbol pro obrázek snímku 3"/>
+          <p:cNvSpPr>
+            <a:spLocks noGrp="1" noRot="1" noChangeAspect="1"/>
+          </p:cNvSpPr>
+          <p:nvPr>
+            <p:ph type="sldImg" idx="2"/>
+          </p:nvPr>
+        </p:nvSpPr>
+        <p:spPr>
+          <a:xfrm>
+            <a:off x="685800" y="1143000"/>
+            <a:ext cx="5486400" cy="3086100"/>
+          </a:xfrm>
+          <a:prstGeom prst="rect">
+            <a:avLst/>
+          </a:prstGeom>
+          <a:noFill/>
+          <a:ln w="12700">
+            <a:solidFill>
+              <a:prstClr val="black"/>
+            </a:solidFill>
+          </a:ln>
+        </p:spPr>
+        <p:txBody>
+          <a:bodyPr vert="horz" lIns="91440" tIns="45720" rIns="91440" bIns="45720" rtlCol="0" anchor="ctr"/>
+          <a:lstStyle/>
+          <a:p>
+            <a:endParaRPr lang="cs-CZ"/>
+          </a:p>
+        </p:txBody>
+      </p:sp>
+      <p:sp>
+        <p:nvSpPr>
+          <p:cNvPr id="5" name="Zástupný symbol pro poznámky 4"/>
+          <p:cNvSpPr>
+            <a:spLocks noGrp="1"/>
+          </p:cNvSpPr>
+          <p:nvPr>
+            <p:ph type="body" sz="quarter" idx="3"/>
+          </p:nvPr>
+        </p:nvSpPr>
+        <p:spPr>
+          <a:xfrm>
+            <a:off x="685800" y="4400550"/>
+            <a:ext cx="5486400" cy="3600450"/>
+          </a:xfrm>
+          <a:prstGeom prst="rect">
+            <a:avLst/>
+          </a:prstGeom>
+        </p:spPr>
+        <p:txBody>
+          <a:bodyPr vert="horz" lIns="91440" tIns="45720" rIns="91440" bIns="45720" rtlCol="0"/>
+          <a:lstStyle/>
+          <a:p>
+            <a:pPr lvl="0"/>
+            <a:r>
+              <a:rPr lang="cs-CZ"/>
+              <a:t>Po kliknutí můžete upravovat styly textu v předloze.</a:t>
+            </a:r>
+          </a:p>
+          <a:p>
+            <a:pPr lvl="1"/>
+            <a:r>
+              <a:rPr lang="cs-CZ"/>
+              <a:t>Druhá úroveň</a:t>
+            </a:r>
+          </a:p>
+          <a:p>
+            <a:pPr lvl="2"/>
+            <a:r>
+              <a:rPr lang="cs-CZ"/>
+              <a:t>Třetí úroveň</a:t>
+            </a:r>
+          </a:p>
+          <a:p>
+            <a:pPr lvl="3"/>
+            <a:r>
+              <a:rPr lang="cs-CZ"/>
+              <a:t>Čtvrtá úroveň</a:t>
+            </a:r>
+          </a:p>
+          <a:p>
+            <a:pPr lvl="4"/>
+            <a:r>
+              <a:rPr lang="cs-CZ"/>
+              <a:t>Pátá úroveň</a:t>
+            </a:r>
+          </a:p>
+        </p:txBody>
+      </p:sp>
+      <p:sp>
+        <p:nvSpPr>
+          <p:cNvPr id="6" name="Zástupný symbol pro zápatí 5"/>
+          <p:cNvSpPr>
+            <a:spLocks noGrp="1"/>
+          </p:cNvSpPr>
+          <p:nvPr>
+            <p:ph type="ftr" sz="quarter" idx="4"/>
+          </p:nvPr>
+        </p:nvSpPr>
+        <p:spPr>
+          <a:xfrm>
+            <a:off x="0" y="8685213"/>
+            <a:ext cx="2971800" cy="458787"/>
+          </a:xfrm>
+          <a:prstGeom prst="rect">
+            <a:avLst/>
+          </a:prstGeom>
+        </p:spPr>
+        <p:txBody>
+          <a:bodyPr vert="horz" lIns="91440" tIns="45720" rIns="91440" bIns="45720" rtlCol="0" anchor="b"/>
+          <a:lstStyle>
+            <a:lvl1pPr algn="l">
+              <a:defRPr sz="1200"/>
+            </a:lvl1pPr>
+          </a:lstStyle>
+          <a:p>
+            <a:endParaRPr lang="cs-CZ"/>
+          </a:p>
+        </p:txBody>
+      </p:sp>
+      <p:sp>
+        <p:nvSpPr>
+          <p:cNvPr id="7" name="Zástupný symbol pro číslo snímku 6"/>
+          <p:cNvSpPr>
+            <a:spLocks noGrp="1"/>
+          </p:cNvSpPr>
+          <p:nvPr>
+            <p:ph type="sldNum" sz="quarter" idx="5"/>
+          </p:nvPr>
+        </p:nvSpPr>
+        <p:spPr>
+          <a:xfrm>
+            <a:off x="3884613" y="8685213"/>
+            <a:ext cx="2971800" cy="458787"/>
+          </a:xfrm>
+          <a:prstGeom prst="rect">
+            <a:avLst/>
+          </a:prstGeom>
+        </p:spPr>
+        <p:txBody>
+          <a:bodyPr vert="horz" lIns="91440" tIns="45720" rIns="91440" bIns="45720" rtlCol="0" anchor="b"/>
+          <a:lstStyle>
+            <a:lvl1pPr algn="r">
+              <a:defRPr sz="1200"/>
+            </a:lvl1pPr>
+          </a:lstStyle>
+          <a:p>
+            <a:fld id="{45D2534E-DAC8-4453-87A9-F01AE6F07701}" type="slidenum">
+              <a:rPr lang="cs-CZ" smtClean="0"/>
+              <a:t>‹#›</a:t>
+            </a:fld>
+            <a:endParaRPr lang="cs-CZ"/>
+          </a:p>
+        </p:txBody>
+      </p:sp>
+    </p:spTree>
+    <p:extLst>
+      <p:ext uri="{BB962C8B-B14F-4D97-AF65-F5344CB8AC3E}">
+        <p14:creationId xmlns:p14="http://schemas.microsoft.com/office/powerpoint/2010/main" val="1730293020"/>
+      </p:ext>
+    </p:extLst>
+  </p:cSld>
+  <p:clrMap bg1="lt1" tx1="dk1" bg2="lt2" tx2="dk2" accent1="accent1" accent2="accent2" accent3="accent3" accent4="accent4" accent5="accent5" accent6="accent6" hlink="hlink" folHlink="folHlink"/>
+  <p:notesStyle>
+    <a:lvl1pPr marL="0" algn="l" defTabSz="914400" rtl="0" eaLnBrk="1" latinLnBrk="0" hangingPunct="1">
+      <a:defRPr sz="1200" kern="1200">
+        <a:solidFill>
+          <a:schemeClr val="tx1"/>
+        </a:solidFill>
+        <a:latin typeface="+mn-lt"/>
+        <a:ea typeface="+mn-ea"/>
+        <a:cs typeface="+mn-cs"/>
+      </a:defRPr>
+    </a:lvl1pPr>
+    <a:lvl2pPr marL="457200" algn="l" defTabSz="914400" rtl="0" eaLnBrk="1" latinLnBrk="0" hangingPunct="1">
+      <a:defRPr sz="1200" kern="1200">
+        <a:solidFill>
+          <a:schemeClr val="tx1"/>
+        </a:solidFill>
+        <a:latin typeface="+mn-lt"/>
+        <a:ea typeface="+mn-ea"/>
+        <a:cs typeface="+mn-cs"/>
+      </a:defRPr>
+    </a:lvl2pPr>
+    <a:lvl3pPr marL="914400" algn="l" defTabSz="914400" rtl="0" eaLnBrk="1" latinLnBrk="0" hangingPunct="1">
+      <a:defRPr sz="1200" kern="1200">
+        <a:solidFill>
+          <a:schemeClr val="tx1"/>
+        </a:solidFill>
+        <a:latin typeface="+mn-lt"/>
+        <a:ea typeface="+mn-ea"/>
+        <a:cs typeface="+mn-cs"/>
+      </a:defRPr>
+    </a:lvl3pPr>
+    <a:lvl4pPr marL="1371600" algn="l" defTabSz="914400" rtl="0" eaLnBrk="1" latinLnBrk="0" hangingPunct="1">
+      <a:defRPr sz="1200" kern="1200">
+        <a:solidFill>
+          <a:schemeClr val="tx1"/>
+        </a:solidFill>
+        <a:latin typeface="+mn-lt"/>
+        <a:ea typeface="+mn-ea"/>
+        <a:cs typeface="+mn-cs"/>
+      </a:defRPr>
+    </a:lvl4pPr>
+    <a:lvl5pPr marL="1828800" algn="l" defTabSz="914400" rtl="0" eaLnBrk="1" latinLnBrk="0" hangingPunct="1">
+      <a:defRPr sz="1200" kern="1200">
+        <a:solidFill>
+          <a:schemeClr val="tx1"/>
+        </a:solidFill>
+        <a:latin typeface="+mn-lt"/>
+        <a:ea typeface="+mn-ea"/>
+        <a:cs typeface="+mn-cs"/>
+      </a:defRPr>
+    </a:lvl5pPr>
+    <a:lvl6pPr marL="2286000" algn="l" defTabSz="914400" rtl="0" eaLnBrk="1" latinLnBrk="0" hangingPunct="1">
+      <a:defRPr sz="1200" kern="1200">
+        <a:solidFill>
+          <a:schemeClr val="tx1"/>
+        </a:solidFill>
+        <a:latin typeface="+mn-lt"/>
+        <a:ea typeface="+mn-ea"/>
+        <a:cs typeface="+mn-cs"/>
+      </a:defRPr>
+    </a:lvl6pPr>
+    <a:lvl7pPr marL="2743200" algn="l" defTabSz="914400" rtl="0" eaLnBrk="1" latinLnBrk="0" hangingPunct="1">
+      <a:defRPr sz="1200" kern="1200">
+        <a:solidFill>
+          <a:schemeClr val="tx1"/>
+        </a:solidFill>
+        <a:latin typeface="+mn-lt"/>
+        <a:ea typeface="+mn-ea"/>
+        <a:cs typeface="+mn-cs"/>
+      </a:defRPr>
+    </a:lvl7pPr>
+    <a:lvl8pPr marL="3200400" algn="l" defTabSz="914400" rtl="0" eaLnBrk="1" latinLnBrk="0" hangingPunct="1">
+      <a:defRPr sz="1200" kern="1200">
+        <a:solidFill>
+          <a:schemeClr val="tx1"/>
+        </a:solidFill>
+        <a:latin typeface="+mn-lt"/>
+        <a:ea typeface="+mn-ea"/>
+        <a:cs typeface="+mn-cs"/>
+      </a:defRPr>
+    </a:lvl8pPr>
+    <a:lvl9pPr marL="3657600" algn="l" defTabSz="914400" rtl="0" eaLnBrk="1" latinLnBrk="0" hangingPunct="1">
+      <a:defRPr sz="1200" kern="1200">
+        <a:solidFill>
+          <a:schemeClr val="tx1"/>
+        </a:solidFill>
+        <a:latin typeface="+mn-lt"/>
+        <a:ea typeface="+mn-ea"/>
+        <a:cs typeface="+mn-cs"/>
+      </a:defRPr>
+    </a:lvl9pPr>
+  </p:notesStyle>
+</p:notesMaster>
+</file>
+
+<file path=ppt/notesSlides/notesSlide1.xml><?xml version="1.0" encoding="utf-8"?>
+<p:notes xmlns:a="http://schemas.openxmlformats.org/drawingml/2006/main" xmlns:r="http://schemas.openxmlformats.org/officeDocument/2006/relationships" xmlns:p="http://schemas.openxmlformats.org/presentationml/2006/main">
+  <p:cSld>
+    <p:spTree>
+      <p:nvGrpSpPr>
+        <p:cNvPr id="1" name=""/>
+        <p:cNvGrpSpPr/>
+        <p:nvPr/>
+      </p:nvGrpSpPr>
+      <p:grpSpPr>
+        <a:xfrm>
+          <a:off x="0" y="0"/>
+          <a:ext cx="0" cy="0"/>
+          <a:chOff x="0" y="0"/>
+          <a:chExt cx="0" cy="0"/>
+        </a:xfrm>
+      </p:grpSpPr>
+      <p:sp>
+        <p:nvSpPr>
+          <p:cNvPr id="2" name="Zástupný symbol pro obrázek snímku 1"/>
+          <p:cNvSpPr>
+            <a:spLocks noGrp="1" noRot="1" noChangeAspect="1"/>
+          </p:cNvSpPr>
+          <p:nvPr>
+            <p:ph type="sldImg"/>
+          </p:nvPr>
+        </p:nvSpPr>
+        <p:spPr/>
+      </p:sp>
+      <p:sp>
+        <p:nvSpPr>
+          <p:cNvPr id="3" name="Zástupný symbol pro poznámky 2"/>
+          <p:cNvSpPr>
+            <a:spLocks noGrp="1"/>
+          </p:cNvSpPr>
+          <p:nvPr>
+            <p:ph type="body" idx="1"/>
+          </p:nvPr>
+        </p:nvSpPr>
+        <p:spPr/>
+        <p:txBody>
+          <a:bodyPr/>
+          <a:lstStyle/>
+          <a:p>
+            <a:endParaRPr lang="cs-CZ" dirty="0"/>
+          </a:p>
+        </p:txBody>
+      </p:sp>
+      <p:sp>
+        <p:nvSpPr>
+          <p:cNvPr id="4" name="Zástupný symbol pro číslo snímku 3"/>
+          <p:cNvSpPr>
+            <a:spLocks noGrp="1"/>
+          </p:cNvSpPr>
+          <p:nvPr>
+            <p:ph type="sldNum" sz="quarter" idx="5"/>
+          </p:nvPr>
+        </p:nvSpPr>
+        <p:spPr/>
+        <p:txBody>
+          <a:bodyPr/>
+          <a:lstStyle/>
+          <a:p>
+            <a:fld id="{45D2534E-DAC8-4453-87A9-F01AE6F07701}" type="slidenum">
+              <a:rPr lang="cs-CZ" smtClean="0"/>
+              <a:t>6</a:t>
+            </a:fld>
+            <a:endParaRPr lang="cs-CZ"/>
+          </a:p>
+        </p:txBody>
+      </p:sp>
+    </p:spTree>
+    <p:extLst>
+      <p:ext uri="{BB962C8B-B14F-4D97-AF65-F5344CB8AC3E}">
+        <p14:creationId xmlns:p14="http://schemas.microsoft.com/office/powerpoint/2010/main" val="3640717707"/>
+      </p:ext>
+    </p:extLst>
+  </p:cSld>
+  <p:clrMapOvr>
+    <a:masterClrMapping/>
+  </p:clrMapOvr>
+</p:notes>
+</file>
+
+<file path=ppt/notesSlides/notesSlide2.xml><?xml version="1.0" encoding="utf-8"?>
+<p:notes xmlns:a="http://schemas.openxmlformats.org/drawingml/2006/main" xmlns:r="http://schemas.openxmlformats.org/officeDocument/2006/relationships" xmlns:p="http://schemas.openxmlformats.org/presentationml/2006/main">
+  <p:cSld>
+    <p:spTree>
+      <p:nvGrpSpPr>
+        <p:cNvPr id="1" name=""/>
+        <p:cNvGrpSpPr/>
+        <p:nvPr/>
+      </p:nvGrpSpPr>
+      <p:grpSpPr>
+        <a:xfrm>
+          <a:off x="0" y="0"/>
+          <a:ext cx="0" cy="0"/>
+          <a:chOff x="0" y="0"/>
+          <a:chExt cx="0" cy="0"/>
+        </a:xfrm>
+      </p:grpSpPr>
+      <p:sp>
+        <p:nvSpPr>
+          <p:cNvPr id="2" name="Zástupný symbol pro obrázek snímku 1"/>
+          <p:cNvSpPr>
+            <a:spLocks noGrp="1" noRot="1" noChangeAspect="1"/>
+          </p:cNvSpPr>
+          <p:nvPr>
+            <p:ph type="sldImg"/>
+          </p:nvPr>
+        </p:nvSpPr>
+        <p:spPr/>
+      </p:sp>
+      <p:sp>
+        <p:nvSpPr>
+          <p:cNvPr id="3" name="Zástupný symbol pro poznámky 2"/>
+          <p:cNvSpPr>
+            <a:spLocks noGrp="1"/>
+          </p:cNvSpPr>
+          <p:nvPr>
+            <p:ph type="body" idx="1"/>
+          </p:nvPr>
+        </p:nvSpPr>
+        <p:spPr/>
+        <p:txBody>
+          <a:bodyPr/>
+          <a:lstStyle/>
+          <a:p>
+            <a:endParaRPr lang="cs-CZ" dirty="0"/>
+          </a:p>
+        </p:txBody>
+      </p:sp>
+      <p:sp>
+        <p:nvSpPr>
+          <p:cNvPr id="4" name="Zástupný symbol pro číslo snímku 3"/>
+          <p:cNvSpPr>
+            <a:spLocks noGrp="1"/>
+          </p:cNvSpPr>
+          <p:nvPr>
+            <p:ph type="sldNum" sz="quarter" idx="5"/>
+          </p:nvPr>
+        </p:nvSpPr>
+        <p:spPr/>
+        <p:txBody>
+          <a:bodyPr/>
+          <a:lstStyle/>
+          <a:p>
+            <a:fld id="{45D2534E-DAC8-4453-87A9-F01AE6F07701}" type="slidenum">
+              <a:rPr lang="cs-CZ" smtClean="0"/>
+              <a:t>10</a:t>
+            </a:fld>
+            <a:endParaRPr lang="cs-CZ"/>
+          </a:p>
+        </p:txBody>
+      </p:sp>
+    </p:spTree>
+    <p:extLst>
+      <p:ext uri="{BB962C8B-B14F-4D97-AF65-F5344CB8AC3E}">
+        <p14:creationId xmlns:p14="http://schemas.microsoft.com/office/powerpoint/2010/main" val="3771021504"/>
+      </p:ext>
+    </p:extLst>
+  </p:cSld>
+  <p:clrMapOvr>
+    <a:masterClrMapping/>
+  </p:clrMapOvr>
+</p:notes>
+</file>
+
+<file path=ppt/notesSlides/notesSlide3.xml><?xml version="1.0" encoding="utf-8"?>
+<p:notes xmlns:a="http://schemas.openxmlformats.org/drawingml/2006/main" xmlns:r="http://schemas.openxmlformats.org/officeDocument/2006/relationships" xmlns:p="http://schemas.openxmlformats.org/presentationml/2006/main">
+  <p:cSld>
+    <p:spTree>
+      <p:nvGrpSpPr>
+        <p:cNvPr id="1" name=""/>
+        <p:cNvGrpSpPr/>
+        <p:nvPr/>
+      </p:nvGrpSpPr>
+      <p:grpSpPr>
+        <a:xfrm>
+          <a:off x="0" y="0"/>
+          <a:ext cx="0" cy="0"/>
+          <a:chOff x="0" y="0"/>
+          <a:chExt cx="0" cy="0"/>
+        </a:xfrm>
+      </p:grpSpPr>
+      <p:sp>
+        <p:nvSpPr>
+          <p:cNvPr id="2" name="Zástupný symbol pro obrázek snímku 1"/>
+          <p:cNvSpPr>
+            <a:spLocks noGrp="1" noRot="1" noChangeAspect="1"/>
+          </p:cNvSpPr>
+          <p:nvPr>
+            <p:ph type="sldImg"/>
+          </p:nvPr>
+        </p:nvSpPr>
+        <p:spPr/>
+      </p:sp>
+      <p:sp>
+        <p:nvSpPr>
+          <p:cNvPr id="3" name="Zástupný symbol pro poznámky 2"/>
+          <p:cNvSpPr>
+            <a:spLocks noGrp="1"/>
+          </p:cNvSpPr>
+          <p:nvPr>
+            <p:ph type="body" idx="1"/>
+          </p:nvPr>
+        </p:nvSpPr>
+        <p:spPr/>
+        <p:txBody>
+          <a:bodyPr/>
+          <a:lstStyle/>
+          <a:p>
+            <a:endParaRPr lang="cs-CZ" dirty="0"/>
+          </a:p>
+        </p:txBody>
+      </p:sp>
+      <p:sp>
+        <p:nvSpPr>
+          <p:cNvPr id="4" name="Zástupný symbol pro číslo snímku 3"/>
+          <p:cNvSpPr>
+            <a:spLocks noGrp="1"/>
+          </p:cNvSpPr>
+          <p:nvPr>
+            <p:ph type="sldNum" sz="quarter" idx="5"/>
+          </p:nvPr>
+        </p:nvSpPr>
+        <p:spPr/>
+        <p:txBody>
+          <a:bodyPr/>
+          <a:lstStyle/>
+          <a:p>
+            <a:fld id="{45D2534E-DAC8-4453-87A9-F01AE6F07701}" type="slidenum">
+              <a:rPr lang="cs-CZ" smtClean="0"/>
+              <a:t>11</a:t>
+            </a:fld>
+            <a:endParaRPr lang="cs-CZ"/>
+          </a:p>
+        </p:txBody>
+      </p:sp>
+    </p:spTree>
+    <p:extLst>
+      <p:ext uri="{BB962C8B-B14F-4D97-AF65-F5344CB8AC3E}">
+        <p14:creationId xmlns:p14="http://schemas.microsoft.com/office/powerpoint/2010/main" val="4144060905"/>
+      </p:ext>
+    </p:extLst>
+  </p:cSld>
+  <p:clrMapOvr>
+    <a:masterClrMapping/>
+  </p:clrMapOvr>
+</p:notes>
 </file>
 
 <file path=ppt/slideLayouts/slideLayout1.xml><?xml version="1.0" encoding="utf-8"?>
@@ -286,7 +898,7 @@
           <a:p>
             <a:fld id="{9F22095F-5858-4398-AD67-45EFC4A2A997}" type="datetimeFigureOut">
               <a:rPr lang="cs-CZ" smtClean="0"/>
-              <a:t>22.04.2022</a:t>
+              <a:t>01.05.2022</a:t>
             </a:fld>
             <a:endParaRPr lang="cs-CZ"/>
           </a:p>
@@ -616,7 +1228,7 @@
           <a:p>
             <a:fld id="{9F22095F-5858-4398-AD67-45EFC4A2A997}" type="datetimeFigureOut">
               <a:rPr lang="cs-CZ" smtClean="0"/>
-              <a:t>22.04.2022</a:t>
+              <a:t>01.05.2022</a:t>
             </a:fld>
             <a:endParaRPr lang="cs-CZ"/>
           </a:p>
@@ -796,7 +1408,7 @@
           <a:p>
             <a:fld id="{9F22095F-5858-4398-AD67-45EFC4A2A997}" type="datetimeFigureOut">
               <a:rPr lang="cs-CZ" smtClean="0"/>
-              <a:t>22.04.2022</a:t>
+              <a:t>01.05.2022</a:t>
             </a:fld>
             <a:endParaRPr lang="cs-CZ"/>
           </a:p>
@@ -966,7 +1578,7 @@
           <a:p>
             <a:fld id="{9F22095F-5858-4398-AD67-45EFC4A2A997}" type="datetimeFigureOut">
               <a:rPr lang="cs-CZ" smtClean="0"/>
-              <a:t>22.04.2022</a:t>
+              <a:t>01.05.2022</a:t>
             </a:fld>
             <a:endParaRPr lang="cs-CZ"/>
           </a:p>
@@ -1243,7 +1855,7 @@
           <a:p>
             <a:fld id="{9F22095F-5858-4398-AD67-45EFC4A2A997}" type="datetimeFigureOut">
               <a:rPr lang="cs-CZ" smtClean="0"/>
-              <a:t>22.04.2022</a:t>
+              <a:t>01.05.2022</a:t>
             </a:fld>
             <a:endParaRPr lang="cs-CZ"/>
           </a:p>
@@ -1637,7 +2249,7 @@
           <a:p>
             <a:fld id="{9F22095F-5858-4398-AD67-45EFC4A2A997}" type="datetimeFigureOut">
               <a:rPr lang="cs-CZ" smtClean="0"/>
-              <a:t>22.04.2022</a:t>
+              <a:t>01.05.2022</a:t>
             </a:fld>
             <a:endParaRPr lang="cs-CZ"/>
           </a:p>
@@ -2114,7 +2726,7 @@
           <a:p>
             <a:fld id="{9F22095F-5858-4398-AD67-45EFC4A2A997}" type="datetimeFigureOut">
               <a:rPr lang="cs-CZ" smtClean="0"/>
-              <a:t>22.04.2022</a:t>
+              <a:t>01.05.2022</a:t>
             </a:fld>
             <a:endParaRPr lang="cs-CZ"/>
           </a:p>
@@ -2232,7 +2844,7 @@
           <a:p>
             <a:fld id="{9F22095F-5858-4398-AD67-45EFC4A2A997}" type="datetimeFigureOut">
               <a:rPr lang="cs-CZ" smtClean="0"/>
-              <a:t>22.04.2022</a:t>
+              <a:t>01.05.2022</a:t>
             </a:fld>
             <a:endParaRPr lang="cs-CZ"/>
           </a:p>
@@ -2327,7 +2939,7 @@
           <a:p>
             <a:fld id="{9F22095F-5858-4398-AD67-45EFC4A2A997}" type="datetimeFigureOut">
               <a:rPr lang="cs-CZ" smtClean="0"/>
-              <a:t>22.04.2022</a:t>
+              <a:t>01.05.2022</a:t>
             </a:fld>
             <a:endParaRPr lang="cs-CZ"/>
           </a:p>
@@ -2673,7 +3285,7 @@
           <a:p>
             <a:fld id="{9F22095F-5858-4398-AD67-45EFC4A2A997}" type="datetimeFigureOut">
               <a:rPr lang="cs-CZ" smtClean="0"/>
-              <a:t>22.04.2022</a:t>
+              <a:t>01.05.2022</a:t>
             </a:fld>
             <a:endParaRPr lang="cs-CZ"/>
           </a:p>
@@ -3061,7 +3673,7 @@
           <a:p>
             <a:fld id="{9F22095F-5858-4398-AD67-45EFC4A2A997}" type="datetimeFigureOut">
               <a:rPr lang="cs-CZ" smtClean="0"/>
-              <a:t>22.04.2022</a:t>
+              <a:t>01.05.2022</a:t>
             </a:fld>
             <a:endParaRPr lang="cs-CZ"/>
           </a:p>
@@ -3339,7 +3951,7 @@
           <a:p>
             <a:fld id="{9F22095F-5858-4398-AD67-45EFC4A2A997}" type="datetimeFigureOut">
               <a:rPr lang="cs-CZ" smtClean="0"/>
-              <a:t>22.04.2022</a:t>
+              <a:t>01.05.2022</a:t>
             </a:fld>
             <a:endParaRPr lang="cs-CZ"/>
           </a:p>
@@ -3873,32 +4485,11 @@
           <a:lstStyle/>
           <a:p>
             <a:r>
-              <a:rPr lang="cs-CZ" cap="none" dirty="0" err="1">
-                <a:latin typeface="Times New Roman" panose="02020603050405020304" pitchFamily="18" charset="0"/>
-                <a:cs typeface="Times New Roman" panose="02020603050405020304" pitchFamily="18" charset="0"/>
-              </a:rPr>
-              <a:t>Total</a:t>
-            </a:r>
-            <a:r>
               <a:rPr lang="cs-CZ" cap="none" dirty="0">
                 <a:latin typeface="Times New Roman" panose="02020603050405020304" pitchFamily="18" charset="0"/>
                 <a:cs typeface="Times New Roman" panose="02020603050405020304" pitchFamily="18" charset="0"/>
               </a:rPr>
-              <a:t> </a:t>
-            </a:r>
-            <a:r>
-              <a:rPr lang="cs-CZ" cap="none" dirty="0" err="1">
-                <a:latin typeface="Times New Roman" panose="02020603050405020304" pitchFamily="18" charset="0"/>
-                <a:cs typeface="Times New Roman" panose="02020603050405020304" pitchFamily="18" charset="0"/>
-              </a:rPr>
-              <a:t>War</a:t>
-            </a:r>
-            <a:r>
-              <a:rPr lang="cs-CZ" cap="none" dirty="0">
-                <a:latin typeface="Times New Roman" panose="02020603050405020304" pitchFamily="18" charset="0"/>
-                <a:cs typeface="Times New Roman" panose="02020603050405020304" pitchFamily="18" charset="0"/>
-              </a:rPr>
-              <a:t> AI</a:t>
+              <a:t>Total War AI</a:t>
             </a:r>
           </a:p>
         </p:txBody>
@@ -3993,17 +4584,158 @@
           <a:lstStyle/>
           <a:p>
             <a:r>
+              <a:rPr lang="cs-CZ" i="0" dirty="0" err="1">
+                <a:solidFill>
+                  <a:srgbClr val="000000"/>
+                </a:solidFill>
+                <a:effectLst/>
+                <a:latin typeface="Times New Roman" panose="02020603050405020304" pitchFamily="18" charset="0"/>
+                <a:cs typeface="Times New Roman" panose="02020603050405020304" pitchFamily="18" charset="0"/>
+              </a:rPr>
+              <a:t>Goal-Oriented</a:t>
+            </a:r>
+            <a:r>
+              <a:rPr lang="cs-CZ" i="0" dirty="0">
+                <a:solidFill>
+                  <a:srgbClr val="000000"/>
+                </a:solidFill>
+                <a:effectLst/>
+                <a:latin typeface="Times New Roman" panose="02020603050405020304" pitchFamily="18" charset="0"/>
+                <a:cs typeface="Times New Roman" panose="02020603050405020304" pitchFamily="18" charset="0"/>
+              </a:rPr>
+              <a:t> </a:t>
+            </a:r>
+            <a:r>
+              <a:rPr lang="cs-CZ" i="0" dirty="0" err="1">
+                <a:solidFill>
+                  <a:srgbClr val="000000"/>
+                </a:solidFill>
+                <a:effectLst/>
+                <a:latin typeface="Times New Roman" panose="02020603050405020304" pitchFamily="18" charset="0"/>
+                <a:cs typeface="Times New Roman" panose="02020603050405020304" pitchFamily="18" charset="0"/>
+              </a:rPr>
+              <a:t>Action</a:t>
+            </a:r>
+            <a:r>
+              <a:rPr lang="cs-CZ" i="0" dirty="0">
+                <a:solidFill>
+                  <a:srgbClr val="000000"/>
+                </a:solidFill>
+                <a:effectLst/>
+                <a:latin typeface="Times New Roman" panose="02020603050405020304" pitchFamily="18" charset="0"/>
+                <a:cs typeface="Times New Roman" panose="02020603050405020304" pitchFamily="18" charset="0"/>
+              </a:rPr>
+              <a:t> </a:t>
+            </a:r>
+            <a:r>
+              <a:rPr lang="cs-CZ" i="0" dirty="0" err="1">
+                <a:solidFill>
+                  <a:srgbClr val="000000"/>
+                </a:solidFill>
+                <a:effectLst/>
+                <a:latin typeface="Times New Roman" panose="02020603050405020304" pitchFamily="18" charset="0"/>
+                <a:cs typeface="Times New Roman" panose="02020603050405020304" pitchFamily="18" charset="0"/>
+              </a:rPr>
+              <a:t>Planning</a:t>
+            </a:r>
+            <a:r>
+              <a:rPr lang="cs-CZ" i="0" dirty="0">
+                <a:solidFill>
+                  <a:srgbClr val="000000"/>
+                </a:solidFill>
+                <a:effectLst/>
+                <a:latin typeface="Times New Roman" panose="02020603050405020304" pitchFamily="18" charset="0"/>
+                <a:cs typeface="Times New Roman" panose="02020603050405020304" pitchFamily="18" charset="0"/>
+              </a:rPr>
+              <a:t> (GOAP)</a:t>
+            </a:r>
+          </a:p>
+        </p:txBody>
+      </p:sp>
+      <p:sp>
+        <p:nvSpPr>
+          <p:cNvPr id="4" name="Zástupný obsah 3">
+            <a:extLst>
+              <a:ext uri="{FF2B5EF4-FFF2-40B4-BE49-F238E27FC236}">
+                <a16:creationId xmlns:a16="http://schemas.microsoft.com/office/drawing/2014/main" id="{0F127FAA-3D52-4398-A31A-37ABC338C27F}"/>
+              </a:ext>
+            </a:extLst>
+          </p:cNvPr>
+          <p:cNvSpPr>
+            <a:spLocks noGrp="1"/>
+          </p:cNvSpPr>
+          <p:nvPr>
+            <p:ph idx="1"/>
+          </p:nvPr>
+        </p:nvSpPr>
+        <p:spPr>
+          <a:xfrm>
+            <a:off x="1371600" y="1269507"/>
+            <a:ext cx="9601200" cy="5038513"/>
+          </a:xfrm>
+        </p:spPr>
+        <p:txBody>
+          <a:bodyPr>
+            <a:normAutofit/>
+          </a:bodyPr>
+          <a:lstStyle/>
+          <a:p>
+            <a:r>
+              <a:rPr lang="cs-CZ" dirty="0">
+                <a:latin typeface="Times New Roman" panose="02020603050405020304" pitchFamily="18" charset="0"/>
+                <a:cs typeface="Times New Roman" panose="02020603050405020304" pitchFamily="18" charset="0"/>
+              </a:rPr>
+              <a:t>zjednodušenou plánovací architekturu podobnou systému STRIPS, která je speciálně navržena pro řízení autonomního chování postav v </a:t>
+            </a:r>
+            <a:r>
               <a:rPr lang="cs-CZ" dirty="0" err="1">
                 <a:latin typeface="Times New Roman" panose="02020603050405020304" pitchFamily="18" charset="0"/>
                 <a:cs typeface="Times New Roman" panose="02020603050405020304" pitchFamily="18" charset="0"/>
               </a:rPr>
-              <a:t>Total</a:t>
+              <a:t>real</a:t>
             </a:r>
             <a:r>
               <a:rPr lang="cs-CZ" dirty="0">
                 <a:latin typeface="Times New Roman" panose="02020603050405020304" pitchFamily="18" charset="0"/>
                 <a:cs typeface="Times New Roman" panose="02020603050405020304" pitchFamily="18" charset="0"/>
               </a:rPr>
+              <a:t>-time hrách.</a:t>
+            </a:r>
+          </a:p>
+          <a:p>
+            <a:r>
+              <a:rPr lang="cs-CZ" dirty="0">
+                <a:latin typeface="Times New Roman" panose="02020603050405020304" pitchFamily="18" charset="0"/>
+                <a:cs typeface="Times New Roman" panose="02020603050405020304" pitchFamily="18" charset="0"/>
+              </a:rPr>
+              <a:t>STRIPS - Stanford </a:t>
+            </a:r>
+            <a:r>
+              <a:rPr lang="cs-CZ" dirty="0" err="1">
+                <a:latin typeface="Times New Roman" panose="02020603050405020304" pitchFamily="18" charset="0"/>
+                <a:cs typeface="Times New Roman" panose="02020603050405020304" pitchFamily="18" charset="0"/>
+              </a:rPr>
+              <a:t>Research</a:t>
+            </a:r>
+            <a:r>
+              <a:rPr lang="cs-CZ" dirty="0">
+                <a:latin typeface="Times New Roman" panose="02020603050405020304" pitchFamily="18" charset="0"/>
+                <a:cs typeface="Times New Roman" panose="02020603050405020304" pitchFamily="18" charset="0"/>
+              </a:rPr>
+              <a:t> Institute </a:t>
+            </a:r>
+            <a:r>
+              <a:rPr lang="cs-CZ" dirty="0" err="1">
+                <a:latin typeface="Times New Roman" panose="02020603050405020304" pitchFamily="18" charset="0"/>
+                <a:cs typeface="Times New Roman" panose="02020603050405020304" pitchFamily="18" charset="0"/>
+              </a:rPr>
+              <a:t>Problem</a:t>
+            </a:r>
+            <a:r>
+              <a:rPr lang="cs-CZ" dirty="0">
+                <a:latin typeface="Times New Roman" panose="02020603050405020304" pitchFamily="18" charset="0"/>
+                <a:cs typeface="Times New Roman" panose="02020603050405020304" pitchFamily="18" charset="0"/>
+              </a:rPr>
               <a:t> </a:t>
             </a:r>
             <a:r>
@@ -4011,14 +4743,277 @@
                 <a:latin typeface="Times New Roman" panose="02020603050405020304" pitchFamily="18" charset="0"/>
                 <a:cs typeface="Times New Roman" panose="02020603050405020304" pitchFamily="18" charset="0"/>
               </a:rPr>
-              <a:t>War</a:t>
+              <a:t>Solver</a:t>
             </a:r>
             <a:r>
               <a:rPr lang="cs-CZ" dirty="0">
                 <a:latin typeface="Times New Roman" panose="02020603050405020304" pitchFamily="18" charset="0"/>
                 <a:cs typeface="Times New Roman" panose="02020603050405020304" pitchFamily="18" charset="0"/>
               </a:rPr>
-              <a:t>: Rome II (2013) AI</a:t>
+              <a:t> – jedná se o automatizovaný plánovač </a:t>
+            </a:r>
+            <a:r>
+              <a:rPr lang="en-US" dirty="0">
+                <a:latin typeface="Times New Roman" panose="02020603050405020304" pitchFamily="18" charset="0"/>
+                <a:cs typeface="Times New Roman" panose="02020603050405020304" pitchFamily="18" charset="0"/>
+              </a:rPr>
+              <a:t>(automated planner), </a:t>
+            </a:r>
+            <a:r>
+              <a:rPr lang="cs-CZ" dirty="0">
+                <a:latin typeface="Times New Roman" panose="02020603050405020304" pitchFamily="18" charset="0"/>
+                <a:cs typeface="Times New Roman" panose="02020603050405020304" pitchFamily="18" charset="0"/>
+              </a:rPr>
+              <a:t>stejné jméno se využívá i pro formální jazyk</a:t>
+            </a:r>
+          </a:p>
+          <a:p>
+            <a:r>
+              <a:rPr lang="cs-CZ" dirty="0">
+                <a:latin typeface="Times New Roman" panose="02020603050405020304" pitchFamily="18" charset="0"/>
+                <a:cs typeface="Times New Roman" panose="02020603050405020304" pitchFamily="18" charset="0"/>
+              </a:rPr>
+              <a:t>V systému GOAP má každý typ AI stanovený počet cílů, které mají „</a:t>
+            </a:r>
+            <a:r>
+              <a:rPr lang="cs-CZ" dirty="0" err="1">
+                <a:latin typeface="Times New Roman" panose="02020603050405020304" pitchFamily="18" charset="0"/>
+                <a:cs typeface="Times New Roman" panose="02020603050405020304" pitchFamily="18" charset="0"/>
+              </a:rPr>
+              <a:t>insistence</a:t>
+            </a:r>
+            <a:r>
+              <a:rPr lang="cs-CZ" dirty="0">
+                <a:latin typeface="Times New Roman" panose="02020603050405020304" pitchFamily="18" charset="0"/>
+                <a:cs typeface="Times New Roman" panose="02020603050405020304" pitchFamily="18" charset="0"/>
+              </a:rPr>
+              <a:t>“ (naléhavost), jež je reprezentována číslem.</a:t>
+            </a:r>
+          </a:p>
+          <a:p>
+            <a:r>
+              <a:rPr lang="cs-CZ" dirty="0">
+                <a:latin typeface="Times New Roman" panose="02020603050405020304" pitchFamily="18" charset="0"/>
+                <a:cs typeface="Times New Roman" panose="02020603050405020304" pitchFamily="18" charset="0"/>
+              </a:rPr>
+              <a:t>GOAP využívá upravený A* algoritmus k procházení</a:t>
+            </a:r>
+            <a:br>
+              <a:rPr lang="cs-CZ" dirty="0">
+                <a:latin typeface="Times New Roman" panose="02020603050405020304" pitchFamily="18" charset="0"/>
+                <a:cs typeface="Times New Roman" panose="02020603050405020304" pitchFamily="18" charset="0"/>
+              </a:rPr>
+            </a:br>
+            <a:r>
+              <a:rPr lang="cs-CZ" dirty="0">
+                <a:latin typeface="Times New Roman" panose="02020603050405020304" pitchFamily="18" charset="0"/>
+                <a:cs typeface="Times New Roman" panose="02020603050405020304" pitchFamily="18" charset="0"/>
+              </a:rPr>
+              <a:t>těchto cílů (viz obr. 7).</a:t>
+            </a:r>
+          </a:p>
+          <a:p>
+            <a:r>
+              <a:rPr lang="cs-CZ" dirty="0">
+                <a:latin typeface="Times New Roman" panose="02020603050405020304" pitchFamily="18" charset="0"/>
+                <a:cs typeface="Times New Roman" panose="02020603050405020304" pitchFamily="18" charset="0"/>
+              </a:rPr>
+              <a:t>Více o </a:t>
+            </a:r>
+            <a:r>
+              <a:rPr lang="cs-CZ" dirty="0" err="1">
+                <a:latin typeface="Times New Roman" panose="02020603050405020304" pitchFamily="18" charset="0"/>
+                <a:cs typeface="Times New Roman" panose="02020603050405020304" pitchFamily="18" charset="0"/>
+              </a:rPr>
+              <a:t>GOAPu</a:t>
+            </a:r>
+            <a:r>
+              <a:rPr lang="cs-CZ" dirty="0">
+                <a:latin typeface="Times New Roman" panose="02020603050405020304" pitchFamily="18" charset="0"/>
+                <a:cs typeface="Times New Roman" panose="02020603050405020304" pitchFamily="18" charset="0"/>
+              </a:rPr>
+              <a:t>:</a:t>
+            </a:r>
+            <a:br>
+              <a:rPr lang="cs-CZ" dirty="0">
+                <a:latin typeface="Times New Roman" panose="02020603050405020304" pitchFamily="18" charset="0"/>
+                <a:cs typeface="Times New Roman" panose="02020603050405020304" pitchFamily="18" charset="0"/>
+              </a:rPr>
+            </a:br>
+            <a:r>
+              <a:rPr lang="cs-CZ" sz="1400" dirty="0">
+                <a:latin typeface="Times New Roman" panose="02020603050405020304" pitchFamily="18" charset="0"/>
+                <a:cs typeface="Times New Roman" panose="02020603050405020304" pitchFamily="18" charset="0"/>
+                <a:hlinkClick r:id="rId3"/>
+              </a:rPr>
+              <a:t>https://jaredemitchell.com/goal-oriented-action-planning-research/</a:t>
+            </a:r>
+            <a:endParaRPr lang="cs-CZ" sz="1400" dirty="0">
+              <a:latin typeface="Times New Roman" panose="02020603050405020304" pitchFamily="18" charset="0"/>
+              <a:cs typeface="Times New Roman" panose="02020603050405020304" pitchFamily="18" charset="0"/>
+            </a:endParaRPr>
+          </a:p>
+          <a:p>
+            <a:pPr marL="0" indent="0">
+              <a:buNone/>
+            </a:pPr>
+            <a:endParaRPr lang="cs-CZ" dirty="0">
+              <a:latin typeface="Times New Roman" panose="02020603050405020304" pitchFamily="18" charset="0"/>
+              <a:cs typeface="Times New Roman" panose="02020603050405020304" pitchFamily="18" charset="0"/>
+            </a:endParaRPr>
+          </a:p>
+        </p:txBody>
+      </p:sp>
+      <p:pic>
+        <p:nvPicPr>
+          <p:cNvPr id="1026" name="Picture 2">
+            <a:extLst>
+              <a:ext uri="{FF2B5EF4-FFF2-40B4-BE49-F238E27FC236}">
+                <a16:creationId xmlns:a16="http://schemas.microsoft.com/office/drawing/2014/main" id="{38372C21-8840-4A27-BCFB-B364A80CBBD4}"/>
+              </a:ext>
+            </a:extLst>
+          </p:cNvPr>
+          <p:cNvPicPr>
+            <a:picLocks noChangeAspect="1" noChangeArrowheads="1"/>
+          </p:cNvPicPr>
+          <p:nvPr/>
+        </p:nvPicPr>
+        <p:blipFill>
+          <a:blip r:embed="rId4">
+            <a:extLst>
+              <a:ext uri="{28A0092B-C50C-407E-A947-70E740481C1C}">
+                <a14:useLocalDpi xmlns:a14="http://schemas.microsoft.com/office/drawing/2010/main" val="0"/>
+              </a:ext>
+            </a:extLst>
+          </a:blip>
+          <a:srcRect/>
+          <a:stretch>
+            <a:fillRect/>
+          </a:stretch>
+        </p:blipFill>
+        <p:spPr bwMode="auto">
+          <a:xfrm>
+            <a:off x="7591629" y="3359745"/>
+            <a:ext cx="3932583" cy="2602046"/>
+          </a:xfrm>
+          <a:prstGeom prst="rect">
+            <a:avLst/>
+          </a:prstGeom>
+          <a:noFill/>
+          <a:extLst>
+            <a:ext uri="{909E8E84-426E-40DD-AFC4-6F175D3DCCD1}">
+              <a14:hiddenFill xmlns:a14="http://schemas.microsoft.com/office/drawing/2010/main">
+                <a:solidFill>
+                  <a:srgbClr val="FFFFFF"/>
+                </a:solidFill>
+              </a14:hiddenFill>
+            </a:ext>
+          </a:extLst>
+        </p:spPr>
+      </p:pic>
+      <p:sp>
+        <p:nvSpPr>
+          <p:cNvPr id="7" name="TextovéPole 6">
+            <a:extLst>
+              <a:ext uri="{FF2B5EF4-FFF2-40B4-BE49-F238E27FC236}">
+                <a16:creationId xmlns:a16="http://schemas.microsoft.com/office/drawing/2014/main" id="{C23F7C11-62F5-4605-ABA3-C6E5B09EEA76}"/>
+              </a:ext>
+            </a:extLst>
+          </p:cNvPr>
+          <p:cNvSpPr txBox="1"/>
+          <p:nvPr/>
+        </p:nvSpPr>
+        <p:spPr>
+          <a:xfrm>
+            <a:off x="8963833" y="6000382"/>
+            <a:ext cx="3464905" cy="276999"/>
+          </a:xfrm>
+          <a:prstGeom prst="rect">
+            <a:avLst/>
+          </a:prstGeom>
+          <a:noFill/>
+        </p:spPr>
+        <p:txBody>
+          <a:bodyPr wrap="square">
+            <a:spAutoFit/>
+          </a:bodyPr>
+          <a:lstStyle/>
+          <a:p>
+            <a:r>
+              <a:rPr lang="cs-CZ" sz="1200" dirty="0">
+                <a:latin typeface="Times New Roman" panose="02020603050405020304" pitchFamily="18" charset="0"/>
+                <a:cs typeface="Times New Roman" panose="02020603050405020304" pitchFamily="18" charset="0"/>
+              </a:rPr>
+              <a:t>Obr.7 GOAP a A*</a:t>
+            </a:r>
+            <a:endParaRPr lang="cs-CZ" sz="1200" dirty="0"/>
+          </a:p>
+        </p:txBody>
+      </p:sp>
+    </p:spTree>
+    <p:extLst>
+      <p:ext uri="{BB962C8B-B14F-4D97-AF65-F5344CB8AC3E}">
+        <p14:creationId xmlns:p14="http://schemas.microsoft.com/office/powerpoint/2010/main" val="1766810628"/>
+      </p:ext>
+    </p:extLst>
+  </p:cSld>
+  <p:clrMapOvr>
+    <a:masterClrMapping/>
+  </p:clrMapOvr>
+</p:sld>
+</file>
+
+<file path=ppt/slides/slide11.xml><?xml version="1.0" encoding="utf-8"?>
+<p:sld xmlns:a="http://schemas.openxmlformats.org/drawingml/2006/main" xmlns:r="http://schemas.openxmlformats.org/officeDocument/2006/relationships" xmlns:p="http://schemas.openxmlformats.org/presentationml/2006/main">
+  <p:cSld>
+    <p:spTree>
+      <p:nvGrpSpPr>
+        <p:cNvPr id="1" name=""/>
+        <p:cNvGrpSpPr/>
+        <p:nvPr/>
+      </p:nvGrpSpPr>
+      <p:grpSpPr>
+        <a:xfrm>
+          <a:off x="0" y="0"/>
+          <a:ext cx="0" cy="0"/>
+          <a:chOff x="0" y="0"/>
+          <a:chExt cx="0" cy="0"/>
+        </a:xfrm>
+      </p:grpSpPr>
+      <p:sp>
+        <p:nvSpPr>
+          <p:cNvPr id="2" name="Nadpis 1">
+            <a:extLst>
+              <a:ext uri="{FF2B5EF4-FFF2-40B4-BE49-F238E27FC236}">
+                <a16:creationId xmlns:a16="http://schemas.microsoft.com/office/drawing/2014/main" id="{6835FBEF-4904-4475-B49A-D9CC3169C5DB}"/>
+              </a:ext>
+            </a:extLst>
+          </p:cNvPr>
+          <p:cNvSpPr>
+            <a:spLocks noGrp="1"/>
+          </p:cNvSpPr>
+          <p:nvPr>
+            <p:ph type="title"/>
+          </p:nvPr>
+        </p:nvSpPr>
+        <p:spPr>
+          <a:xfrm>
+            <a:off x="1371600" y="685800"/>
+            <a:ext cx="9601200" cy="583707"/>
+          </a:xfrm>
+        </p:spPr>
+        <p:txBody>
+          <a:bodyPr>
+            <a:normAutofit fontScale="90000"/>
+          </a:bodyPr>
+          <a:lstStyle/>
+          <a:p>
+            <a:r>
+              <a:rPr lang="cs-CZ" dirty="0">
+                <a:latin typeface="Times New Roman" panose="02020603050405020304" pitchFamily="18" charset="0"/>
+                <a:cs typeface="Times New Roman" panose="02020603050405020304" pitchFamily="18" charset="0"/>
+              </a:rPr>
+              <a:t>Total War: Rome II (2013) AI</a:t>
             </a:r>
           </a:p>
         </p:txBody>
@@ -4029,6 +5024,563 @@
             <a:extLst>
               <a:ext uri="{FF2B5EF4-FFF2-40B4-BE49-F238E27FC236}">
                 <a16:creationId xmlns:a16="http://schemas.microsoft.com/office/drawing/2014/main" id="{5E4BC3C2-A8C7-4BE4-9209-B894B50EA8B3}"/>
+              </a:ext>
+            </a:extLst>
+          </p:cNvPr>
+          <p:cNvPicPr>
+            <a:picLocks noChangeAspect="1" noChangeArrowheads="1"/>
+          </p:cNvPicPr>
+          <p:nvPr/>
+        </p:nvPicPr>
+        <p:blipFill>
+          <a:blip r:embed="rId3">
+            <a:extLst>
+              <a:ext uri="{28A0092B-C50C-407E-A947-70E740481C1C}">
+                <a14:useLocalDpi xmlns:a14="http://schemas.microsoft.com/office/drawing/2010/main" val="0"/>
+              </a:ext>
+            </a:extLst>
+          </a:blip>
+          <a:srcRect/>
+          <a:stretch>
+            <a:fillRect/>
+          </a:stretch>
+        </p:blipFill>
+        <p:spPr bwMode="auto">
+          <a:xfrm>
+            <a:off x="7700506" y="4111906"/>
+            <a:ext cx="3662745" cy="2060294"/>
+          </a:xfrm>
+          <a:prstGeom prst="rect">
+            <a:avLst/>
+          </a:prstGeom>
+          <a:noFill/>
+          <a:extLst>
+            <a:ext uri="{909E8E84-426E-40DD-AFC4-6F175D3DCCD1}">
+              <a14:hiddenFill xmlns:a14="http://schemas.microsoft.com/office/drawing/2010/main">
+                <a:solidFill>
+                  <a:srgbClr val="FFFFFF"/>
+                </a:solidFill>
+              </a14:hiddenFill>
+            </a:ext>
+          </a:extLst>
+        </p:spPr>
+      </p:pic>
+      <p:sp>
+        <p:nvSpPr>
+          <p:cNvPr id="4" name="Zástupný obsah 3">
+            <a:extLst>
+              <a:ext uri="{FF2B5EF4-FFF2-40B4-BE49-F238E27FC236}">
+                <a16:creationId xmlns:a16="http://schemas.microsoft.com/office/drawing/2014/main" id="{2E8D0BCB-44DA-4297-AFF6-367E24CA0239}"/>
+              </a:ext>
+            </a:extLst>
+          </p:cNvPr>
+          <p:cNvSpPr>
+            <a:spLocks noGrp="1"/>
+          </p:cNvSpPr>
+          <p:nvPr>
+            <p:ph idx="1"/>
+          </p:nvPr>
+        </p:nvSpPr>
+        <p:spPr>
+          <a:xfrm>
+            <a:off x="1371600" y="1269506"/>
+            <a:ext cx="9601200" cy="5086905"/>
+          </a:xfrm>
+        </p:spPr>
+        <p:txBody>
+          <a:bodyPr/>
+          <a:lstStyle/>
+          <a:p>
+            <a:r>
+              <a:rPr lang="cs-CZ" dirty="0">
+                <a:latin typeface="Times New Roman" panose="02020603050405020304" pitchFamily="18" charset="0"/>
+                <a:cs typeface="Times New Roman" panose="02020603050405020304" pitchFamily="18" charset="0"/>
+              </a:rPr>
+              <a:t>Asi největší pokrok Total War AI byl zaznamenán v Rome II, kdy i kvůli rozšiřující se rozlehlosti a komplexnosti hry byl pro kampaňové AI využit algoritmus MCTS</a:t>
+            </a:r>
+          </a:p>
+          <a:p>
+            <a:r>
+              <a:rPr lang="cs-CZ" b="0" i="0" dirty="0">
+                <a:solidFill>
+                  <a:srgbClr val="181C21"/>
+                </a:solidFill>
+                <a:effectLst/>
+                <a:latin typeface="Times New Roman" panose="02020603050405020304" pitchFamily="18" charset="0"/>
+                <a:cs typeface="Times New Roman" panose="02020603050405020304" pitchFamily="18" charset="0"/>
+              </a:rPr>
+              <a:t>Monte Carlo </a:t>
+            </a:r>
+            <a:r>
+              <a:rPr lang="cs-CZ" b="0" i="0" dirty="0" err="1">
+                <a:solidFill>
+                  <a:srgbClr val="181C21"/>
+                </a:solidFill>
+                <a:effectLst/>
+                <a:latin typeface="Times New Roman" panose="02020603050405020304" pitchFamily="18" charset="0"/>
+                <a:cs typeface="Times New Roman" panose="02020603050405020304" pitchFamily="18" charset="0"/>
+              </a:rPr>
+              <a:t>Tree</a:t>
+            </a:r>
+            <a:r>
+              <a:rPr lang="cs-CZ" b="0" i="0" dirty="0">
+                <a:solidFill>
+                  <a:srgbClr val="181C21"/>
+                </a:solidFill>
+                <a:effectLst/>
+                <a:latin typeface="Times New Roman" panose="02020603050405020304" pitchFamily="18" charset="0"/>
+                <a:cs typeface="Times New Roman" panose="02020603050405020304" pitchFamily="18" charset="0"/>
+              </a:rPr>
+              <a:t> </a:t>
+            </a:r>
+            <a:r>
+              <a:rPr lang="cs-CZ" b="0" i="0" dirty="0" err="1">
+                <a:solidFill>
+                  <a:srgbClr val="181C21"/>
+                </a:solidFill>
+                <a:effectLst/>
+                <a:latin typeface="Times New Roman" panose="02020603050405020304" pitchFamily="18" charset="0"/>
+                <a:cs typeface="Times New Roman" panose="02020603050405020304" pitchFamily="18" charset="0"/>
+              </a:rPr>
+              <a:t>Search</a:t>
+            </a:r>
+            <a:r>
+              <a:rPr lang="cs-CZ" b="0" i="0" dirty="0">
+                <a:solidFill>
+                  <a:srgbClr val="181C21"/>
+                </a:solidFill>
+                <a:effectLst/>
+                <a:latin typeface="Times New Roman" panose="02020603050405020304" pitchFamily="18" charset="0"/>
+                <a:cs typeface="Times New Roman" panose="02020603050405020304" pitchFamily="18" charset="0"/>
+              </a:rPr>
+              <a:t> (MCTS) – umožnuje zvážit všechny různé možnosti a prozkoumat ty, které se zdají být nejpřínosnější</a:t>
+            </a:r>
+          </a:p>
+          <a:p>
+            <a:r>
+              <a:rPr lang="cs-CZ" dirty="0">
+                <a:latin typeface="Times New Roman" panose="02020603050405020304" pitchFamily="18" charset="0"/>
+                <a:cs typeface="Times New Roman" panose="02020603050405020304" pitchFamily="18" charset="0"/>
+              </a:rPr>
+              <a:t>Výhodou tohoto algoritmu je i fakt, že i když neprojde všechny možnosti, tak z těch co již prošel vždy vybere tu nejvhodnější</a:t>
+            </a:r>
+          </a:p>
+          <a:p>
+            <a:r>
+              <a:rPr lang="cs-CZ" dirty="0">
+                <a:latin typeface="Times New Roman" panose="02020603050405020304" pitchFamily="18" charset="0"/>
+                <a:cs typeface="Times New Roman" panose="02020603050405020304" pitchFamily="18" charset="0"/>
+              </a:rPr>
+              <a:t>Jeho implementace plánuje maximálně 1 tah dopředu, kvůli jednak potřebě rychlého chodu, aby hráč nečekal dlouho na konec tahu, tak i </a:t>
+            </a:r>
+            <a:br>
+              <a:rPr lang="cs-CZ" dirty="0">
+                <a:latin typeface="Times New Roman" panose="02020603050405020304" pitchFamily="18" charset="0"/>
+                <a:cs typeface="Times New Roman" panose="02020603050405020304" pitchFamily="18" charset="0"/>
+              </a:rPr>
+            </a:br>
+            <a:r>
+              <a:rPr lang="cs-CZ" dirty="0">
+                <a:latin typeface="Times New Roman" panose="02020603050405020304" pitchFamily="18" charset="0"/>
+                <a:cs typeface="Times New Roman" panose="02020603050405020304" pitchFamily="18" charset="0"/>
+              </a:rPr>
+              <a:t>tomu že by AI své dlouhodobé rozhodnutí stejně mohlo</a:t>
+            </a:r>
+            <a:br>
+              <a:rPr lang="cs-CZ" dirty="0">
+                <a:latin typeface="Times New Roman" panose="02020603050405020304" pitchFamily="18" charset="0"/>
+                <a:cs typeface="Times New Roman" panose="02020603050405020304" pitchFamily="18" charset="0"/>
+              </a:rPr>
+            </a:br>
+            <a:r>
+              <a:rPr lang="cs-CZ" dirty="0">
+                <a:latin typeface="Times New Roman" panose="02020603050405020304" pitchFamily="18" charset="0"/>
+                <a:cs typeface="Times New Roman" panose="02020603050405020304" pitchFamily="18" charset="0"/>
+              </a:rPr>
+              <a:t>přehodnotit, kvůli nějakým nepředvídaným faktorům</a:t>
+            </a:r>
+          </a:p>
+          <a:p>
+            <a:r>
+              <a:rPr lang="cs-CZ" dirty="0">
+                <a:latin typeface="Times New Roman" panose="02020603050405020304" pitchFamily="18" charset="0"/>
+                <a:cs typeface="Times New Roman" panose="02020603050405020304" pitchFamily="18" charset="0"/>
+              </a:rPr>
+              <a:t>Rozhodování rozděleno na tři části</a:t>
+            </a:r>
+          </a:p>
+          <a:p>
+            <a:pPr lvl="1">
+              <a:buFont typeface="Wingdings" panose="05000000000000000000" pitchFamily="2" charset="2"/>
+              <a:buChar char="Ø"/>
+            </a:pPr>
+            <a:r>
+              <a:rPr lang="cs-CZ" dirty="0">
+                <a:latin typeface="Times New Roman" panose="02020603050405020304" pitchFamily="18" charset="0"/>
+                <a:cs typeface="Times New Roman" panose="02020603050405020304" pitchFamily="18" charset="0"/>
+              </a:rPr>
+              <a:t>Před pohybem (</a:t>
+            </a:r>
+            <a:r>
+              <a:rPr lang="cs-CZ" dirty="0" err="1">
+                <a:latin typeface="Times New Roman" panose="02020603050405020304" pitchFamily="18" charset="0"/>
+                <a:cs typeface="Times New Roman" panose="02020603050405020304" pitchFamily="18" charset="0"/>
+              </a:rPr>
+              <a:t>pre-movement</a:t>
+            </a:r>
+            <a:r>
+              <a:rPr lang="cs-CZ" dirty="0">
+                <a:latin typeface="Times New Roman" panose="02020603050405020304" pitchFamily="18" charset="0"/>
+                <a:cs typeface="Times New Roman" panose="02020603050405020304" pitchFamily="18" charset="0"/>
+              </a:rPr>
+              <a:t>)</a:t>
+            </a:r>
+          </a:p>
+          <a:p>
+            <a:pPr lvl="1">
+              <a:buFont typeface="Wingdings" panose="05000000000000000000" pitchFamily="2" charset="2"/>
+              <a:buChar char="Ø"/>
+            </a:pPr>
+            <a:r>
+              <a:rPr lang="cs-CZ" dirty="0">
+                <a:latin typeface="Times New Roman" panose="02020603050405020304" pitchFamily="18" charset="0"/>
+                <a:cs typeface="Times New Roman" panose="02020603050405020304" pitchFamily="18" charset="0"/>
+              </a:rPr>
+              <a:t> Přidělování úkolů (</a:t>
+            </a:r>
+            <a:r>
+              <a:rPr lang="cs-CZ" dirty="0" err="1">
+                <a:latin typeface="Times New Roman" panose="02020603050405020304" pitchFamily="18" charset="0"/>
+                <a:cs typeface="Times New Roman" panose="02020603050405020304" pitchFamily="18" charset="0"/>
+              </a:rPr>
+              <a:t>task</a:t>
+            </a:r>
+            <a:r>
+              <a:rPr lang="cs-CZ" dirty="0">
+                <a:latin typeface="Times New Roman" panose="02020603050405020304" pitchFamily="18" charset="0"/>
+                <a:cs typeface="Times New Roman" panose="02020603050405020304" pitchFamily="18" charset="0"/>
+              </a:rPr>
+              <a:t> </a:t>
+            </a:r>
+            <a:r>
+              <a:rPr lang="cs-CZ" dirty="0" err="1">
+                <a:latin typeface="Times New Roman" panose="02020603050405020304" pitchFamily="18" charset="0"/>
+                <a:cs typeface="Times New Roman" panose="02020603050405020304" pitchFamily="18" charset="0"/>
+              </a:rPr>
+              <a:t>allocation</a:t>
+            </a:r>
+            <a:r>
+              <a:rPr lang="cs-CZ" dirty="0">
+                <a:latin typeface="Times New Roman" panose="02020603050405020304" pitchFamily="18" charset="0"/>
+                <a:cs typeface="Times New Roman" panose="02020603050405020304" pitchFamily="18" charset="0"/>
+              </a:rPr>
+              <a:t>)</a:t>
+            </a:r>
+          </a:p>
+          <a:p>
+            <a:pPr lvl="1">
+              <a:buFont typeface="Wingdings" panose="05000000000000000000" pitchFamily="2" charset="2"/>
+              <a:buChar char="Ø"/>
+            </a:pPr>
+            <a:r>
+              <a:rPr lang="cs-CZ" dirty="0">
+                <a:latin typeface="Times New Roman" panose="02020603050405020304" pitchFamily="18" charset="0"/>
+                <a:cs typeface="Times New Roman" panose="02020603050405020304" pitchFamily="18" charset="0"/>
+              </a:rPr>
+              <a:t>Po pohybu (post-</a:t>
+            </a:r>
+            <a:r>
+              <a:rPr lang="cs-CZ" dirty="0" err="1">
+                <a:latin typeface="Times New Roman" panose="02020603050405020304" pitchFamily="18" charset="0"/>
+                <a:cs typeface="Times New Roman" panose="02020603050405020304" pitchFamily="18" charset="0"/>
+              </a:rPr>
+              <a:t>movement</a:t>
+            </a:r>
+            <a:r>
+              <a:rPr lang="cs-CZ" dirty="0">
+                <a:latin typeface="Times New Roman" panose="02020603050405020304" pitchFamily="18" charset="0"/>
+                <a:cs typeface="Times New Roman" panose="02020603050405020304" pitchFamily="18" charset="0"/>
+              </a:rPr>
+              <a:t>)</a:t>
+            </a:r>
+          </a:p>
+        </p:txBody>
+      </p:sp>
+      <p:sp>
+        <p:nvSpPr>
+          <p:cNvPr id="6" name="TextovéPole 5">
+            <a:extLst>
+              <a:ext uri="{FF2B5EF4-FFF2-40B4-BE49-F238E27FC236}">
+                <a16:creationId xmlns:a16="http://schemas.microsoft.com/office/drawing/2014/main" id="{FFAE1648-7466-4D09-84F2-24F7AD0357CB}"/>
+              </a:ext>
+            </a:extLst>
+          </p:cNvPr>
+          <p:cNvSpPr txBox="1"/>
+          <p:nvPr/>
+        </p:nvSpPr>
+        <p:spPr>
+          <a:xfrm>
+            <a:off x="8393570" y="6220131"/>
+            <a:ext cx="2276616" cy="276999"/>
+          </a:xfrm>
+          <a:prstGeom prst="rect">
+            <a:avLst/>
+          </a:prstGeom>
+          <a:noFill/>
+        </p:spPr>
+        <p:txBody>
+          <a:bodyPr wrap="square">
+            <a:spAutoFit/>
+          </a:bodyPr>
+          <a:lstStyle/>
+          <a:p>
+            <a:r>
+              <a:rPr lang="cs-CZ" sz="1200" dirty="0">
+                <a:latin typeface="Times New Roman" panose="02020603050405020304" pitchFamily="18" charset="0"/>
+                <a:cs typeface="Times New Roman" panose="02020603050405020304" pitchFamily="18" charset="0"/>
+              </a:rPr>
+              <a:t>Obr.8 Total War: Rome II kampaň</a:t>
+            </a:r>
+            <a:endParaRPr lang="cs-CZ" sz="1200" dirty="0"/>
+          </a:p>
+        </p:txBody>
+      </p:sp>
+    </p:spTree>
+    <p:extLst>
+      <p:ext uri="{BB962C8B-B14F-4D97-AF65-F5344CB8AC3E}">
+        <p14:creationId xmlns:p14="http://schemas.microsoft.com/office/powerpoint/2010/main" val="1327619846"/>
+      </p:ext>
+    </p:extLst>
+  </p:cSld>
+  <p:clrMapOvr>
+    <a:masterClrMapping/>
+  </p:clrMapOvr>
+</p:sld>
+</file>
+
+<file path=ppt/slides/slide12.xml><?xml version="1.0" encoding="utf-8"?>
+<p:sld xmlns:a="http://schemas.openxmlformats.org/drawingml/2006/main" xmlns:r="http://schemas.openxmlformats.org/officeDocument/2006/relationships" xmlns:p="http://schemas.openxmlformats.org/presentationml/2006/main">
+  <p:cSld>
+    <p:spTree>
+      <p:nvGrpSpPr>
+        <p:cNvPr id="1" name=""/>
+        <p:cNvGrpSpPr/>
+        <p:nvPr/>
+      </p:nvGrpSpPr>
+      <p:grpSpPr>
+        <a:xfrm>
+          <a:off x="0" y="0"/>
+          <a:ext cx="0" cy="0"/>
+          <a:chOff x="0" y="0"/>
+          <a:chExt cx="0" cy="0"/>
+        </a:xfrm>
+      </p:grpSpPr>
+      <p:sp>
+        <p:nvSpPr>
+          <p:cNvPr id="2" name="Nadpis 1">
+            <a:extLst>
+              <a:ext uri="{FF2B5EF4-FFF2-40B4-BE49-F238E27FC236}">
+                <a16:creationId xmlns:a16="http://schemas.microsoft.com/office/drawing/2014/main" id="{6835FBEF-4904-4475-B49A-D9CC3169C5DB}"/>
+              </a:ext>
+            </a:extLst>
+          </p:cNvPr>
+          <p:cNvSpPr>
+            <a:spLocks noGrp="1"/>
+          </p:cNvSpPr>
+          <p:nvPr>
+            <p:ph type="title"/>
+          </p:nvPr>
+        </p:nvSpPr>
+        <p:spPr>
+          <a:xfrm>
+            <a:off x="1371600" y="685800"/>
+            <a:ext cx="9601200" cy="583707"/>
+          </a:xfrm>
+        </p:spPr>
+        <p:txBody>
+          <a:bodyPr>
+            <a:normAutofit fontScale="90000"/>
+          </a:bodyPr>
+          <a:lstStyle/>
+          <a:p>
+            <a:r>
+              <a:rPr lang="cs-CZ" b="0" i="0" dirty="0">
+                <a:solidFill>
+                  <a:srgbClr val="181C21"/>
+                </a:solidFill>
+                <a:effectLst/>
+                <a:latin typeface="Times New Roman" panose="02020603050405020304" pitchFamily="18" charset="0"/>
+                <a:cs typeface="Times New Roman" panose="02020603050405020304" pitchFamily="18" charset="0"/>
+              </a:rPr>
+              <a:t>Monte Carlo </a:t>
+            </a:r>
+            <a:r>
+              <a:rPr lang="cs-CZ" b="0" i="0" dirty="0" err="1">
+                <a:solidFill>
+                  <a:srgbClr val="181C21"/>
+                </a:solidFill>
+                <a:effectLst/>
+                <a:latin typeface="Times New Roman" panose="02020603050405020304" pitchFamily="18" charset="0"/>
+                <a:cs typeface="Times New Roman" panose="02020603050405020304" pitchFamily="18" charset="0"/>
+              </a:rPr>
+              <a:t>Tree</a:t>
+            </a:r>
+            <a:r>
+              <a:rPr lang="cs-CZ" b="0" i="0" dirty="0">
+                <a:solidFill>
+                  <a:srgbClr val="181C21"/>
+                </a:solidFill>
+                <a:effectLst/>
+                <a:latin typeface="Times New Roman" panose="02020603050405020304" pitchFamily="18" charset="0"/>
+                <a:cs typeface="Times New Roman" panose="02020603050405020304" pitchFamily="18" charset="0"/>
+              </a:rPr>
+              <a:t> </a:t>
+            </a:r>
+            <a:r>
+              <a:rPr lang="cs-CZ" b="0" i="0" dirty="0" err="1">
+                <a:solidFill>
+                  <a:srgbClr val="181C21"/>
+                </a:solidFill>
+                <a:effectLst/>
+                <a:latin typeface="Times New Roman" panose="02020603050405020304" pitchFamily="18" charset="0"/>
+                <a:cs typeface="Times New Roman" panose="02020603050405020304" pitchFamily="18" charset="0"/>
+              </a:rPr>
+              <a:t>Search</a:t>
+            </a:r>
+            <a:r>
+              <a:rPr lang="cs-CZ" b="0" i="0" dirty="0">
+                <a:solidFill>
+                  <a:srgbClr val="181C21"/>
+                </a:solidFill>
+                <a:effectLst/>
+                <a:latin typeface="Times New Roman" panose="02020603050405020304" pitchFamily="18" charset="0"/>
+                <a:cs typeface="Times New Roman" panose="02020603050405020304" pitchFamily="18" charset="0"/>
+              </a:rPr>
+              <a:t> (MCTS)</a:t>
+            </a:r>
+            <a:endParaRPr lang="cs-CZ" dirty="0">
+              <a:latin typeface="Times New Roman" panose="02020603050405020304" pitchFamily="18" charset="0"/>
+              <a:cs typeface="Times New Roman" panose="02020603050405020304" pitchFamily="18" charset="0"/>
+            </a:endParaRPr>
+          </a:p>
+        </p:txBody>
+      </p:sp>
+      <p:sp>
+        <p:nvSpPr>
+          <p:cNvPr id="4" name="Zástupný obsah 3">
+            <a:extLst>
+              <a:ext uri="{FF2B5EF4-FFF2-40B4-BE49-F238E27FC236}">
+                <a16:creationId xmlns:a16="http://schemas.microsoft.com/office/drawing/2014/main" id="{2E8D0BCB-44DA-4297-AFF6-367E24CA0239}"/>
+              </a:ext>
+            </a:extLst>
+          </p:cNvPr>
+          <p:cNvSpPr>
+            <a:spLocks noGrp="1"/>
+          </p:cNvSpPr>
+          <p:nvPr>
+            <p:ph idx="1"/>
+          </p:nvPr>
+        </p:nvSpPr>
+        <p:spPr>
+          <a:xfrm>
+            <a:off x="1371600" y="1269507"/>
+            <a:ext cx="9601200" cy="3581400"/>
+          </a:xfrm>
+        </p:spPr>
+        <p:txBody>
+          <a:bodyPr/>
+          <a:lstStyle/>
+          <a:p>
+            <a:r>
+              <a:rPr lang="cs-CZ" dirty="0">
+                <a:latin typeface="Times New Roman" panose="02020603050405020304" pitchFamily="18" charset="0"/>
+                <a:cs typeface="Times New Roman" panose="02020603050405020304" pitchFamily="18" charset="0"/>
+              </a:rPr>
+              <a:t>MCTS zkoumá všechny potenciální možnosti pro daný rozhodovací bod, izoluje ty nejlepší a pak určí, která z nich je nejlepší, a to s ohledem na krátkodobé i dlouhodobé důsledky. </a:t>
+            </a:r>
+          </a:p>
+          <a:p>
+            <a:r>
+              <a:rPr lang="cs-CZ" dirty="0">
+                <a:latin typeface="Times New Roman" panose="02020603050405020304" pitchFamily="18" charset="0"/>
+                <a:cs typeface="Times New Roman" panose="02020603050405020304" pitchFamily="18" charset="0"/>
+              </a:rPr>
+              <a:t>K rozhodování ve hře se využívá dopředný model (forward-model) - abstraktní aproximace herní logiky, která umožňuje zvážit výsledek provedení akce-X ve stavu-Y, jehož výsledkem je výsledek-Z</a:t>
+            </a:r>
+          </a:p>
+          <a:p>
+            <a:r>
+              <a:rPr lang="cs-CZ" dirty="0">
+                <a:latin typeface="Times New Roman" panose="02020603050405020304" pitchFamily="18" charset="0"/>
+                <a:cs typeface="Times New Roman" panose="02020603050405020304" pitchFamily="18" charset="0"/>
+              </a:rPr>
+              <a:t>MCTS se rozhoduje na základě čtyř kroků: </a:t>
+            </a:r>
+            <a:r>
+              <a:rPr lang="cs-CZ" dirty="0" err="1">
+                <a:latin typeface="Times New Roman" panose="02020603050405020304" pitchFamily="18" charset="0"/>
+                <a:cs typeface="Times New Roman" panose="02020603050405020304" pitchFamily="18" charset="0"/>
+              </a:rPr>
+              <a:t>selection</a:t>
+            </a:r>
+            <a:r>
+              <a:rPr lang="cs-CZ" dirty="0">
+                <a:latin typeface="Times New Roman" panose="02020603050405020304" pitchFamily="18" charset="0"/>
+                <a:cs typeface="Times New Roman" panose="02020603050405020304" pitchFamily="18" charset="0"/>
+              </a:rPr>
+              <a:t> (výběr), </a:t>
+            </a:r>
+            <a:r>
+              <a:rPr lang="cs-CZ" dirty="0" err="1">
+                <a:latin typeface="Times New Roman" panose="02020603050405020304" pitchFamily="18" charset="0"/>
+                <a:cs typeface="Times New Roman" panose="02020603050405020304" pitchFamily="18" charset="0"/>
+              </a:rPr>
+              <a:t>expansion</a:t>
+            </a:r>
+            <a:r>
+              <a:rPr lang="cs-CZ" dirty="0">
+                <a:latin typeface="Times New Roman" panose="02020603050405020304" pitchFamily="18" charset="0"/>
+                <a:cs typeface="Times New Roman" panose="02020603050405020304" pitchFamily="18" charset="0"/>
+              </a:rPr>
+              <a:t> (rozšíření), </a:t>
+            </a:r>
+            <a:r>
+              <a:rPr lang="cs-CZ" dirty="0" err="1">
+                <a:latin typeface="Times New Roman" panose="02020603050405020304" pitchFamily="18" charset="0"/>
+                <a:cs typeface="Times New Roman" panose="02020603050405020304" pitchFamily="18" charset="0"/>
+              </a:rPr>
+              <a:t>simulation</a:t>
+            </a:r>
+            <a:r>
+              <a:rPr lang="cs-CZ" dirty="0">
+                <a:latin typeface="Times New Roman" panose="02020603050405020304" pitchFamily="18" charset="0"/>
+                <a:cs typeface="Times New Roman" panose="02020603050405020304" pitchFamily="18" charset="0"/>
+              </a:rPr>
+              <a:t> (simulace) a </a:t>
+            </a:r>
+            <a:r>
+              <a:rPr lang="cs-CZ" dirty="0" err="1">
+                <a:latin typeface="Times New Roman" panose="02020603050405020304" pitchFamily="18" charset="0"/>
+                <a:cs typeface="Times New Roman" panose="02020603050405020304" pitchFamily="18" charset="0"/>
+              </a:rPr>
+              <a:t>backpropagation</a:t>
+            </a:r>
+            <a:r>
+              <a:rPr lang="cs-CZ" dirty="0">
+                <a:latin typeface="Times New Roman" panose="02020603050405020304" pitchFamily="18" charset="0"/>
+                <a:cs typeface="Times New Roman" panose="02020603050405020304" pitchFamily="18" charset="0"/>
+              </a:rPr>
+              <a:t> (zpětné šíření).</a:t>
+            </a:r>
+          </a:p>
+        </p:txBody>
+      </p:sp>
+      <p:pic>
+        <p:nvPicPr>
+          <p:cNvPr id="2050" name="Picture 2">
+            <a:extLst>
+              <a:ext uri="{FF2B5EF4-FFF2-40B4-BE49-F238E27FC236}">
+                <a16:creationId xmlns:a16="http://schemas.microsoft.com/office/drawing/2014/main" id="{BE16A0F2-0051-4FCF-8A24-07E95C932EB3}"/>
               </a:ext>
             </a:extLst>
           </p:cNvPr>
@@ -4052,8 +5604,8 @@
         </p:blipFill>
         <p:spPr bwMode="auto">
           <a:xfrm>
-            <a:off x="7700506" y="4111906"/>
-            <a:ext cx="3662745" cy="2060294"/>
+            <a:off x="2382416" y="4200700"/>
+            <a:ext cx="8437984" cy="2083127"/>
           </a:xfrm>
           <a:prstGeom prst="rect">
             <a:avLst/>
@@ -4072,33 +5624,47 @@
       </p:pic>
       <p:sp>
         <p:nvSpPr>
-          <p:cNvPr id="4" name="Zástupný obsah 3">
+          <p:cNvPr id="8" name="TextovéPole 7">
             <a:extLst>
               <a:ext uri="{FF2B5EF4-FFF2-40B4-BE49-F238E27FC236}">
-                <a16:creationId xmlns:a16="http://schemas.microsoft.com/office/drawing/2014/main" id="{2E8D0BCB-44DA-4297-AFF6-367E24CA0239}"/>
+                <a16:creationId xmlns:a16="http://schemas.microsoft.com/office/drawing/2014/main" id="{932FA062-9294-45EA-AB39-D64697A4FE3A}"/>
               </a:ext>
             </a:extLst>
           </p:cNvPr>
-          <p:cNvSpPr>
-            <a:spLocks noGrp="1"/>
-          </p:cNvSpPr>
-          <p:nvPr>
-            <p:ph idx="1"/>
-          </p:nvPr>
-        </p:nvSpPr>
-        <p:spPr/>
-        <p:txBody>
-          <a:bodyPr/>
+          <p:cNvSpPr txBox="1"/>
+          <p:nvPr/>
+        </p:nvSpPr>
+        <p:spPr>
+          <a:xfrm>
+            <a:off x="5803527" y="6283827"/>
+            <a:ext cx="1595762" cy="276999"/>
+          </a:xfrm>
+          <a:prstGeom prst="rect">
+            <a:avLst/>
+          </a:prstGeom>
+          <a:noFill/>
+        </p:spPr>
+        <p:txBody>
+          <a:bodyPr wrap="square">
+            <a:spAutoFit/>
+          </a:bodyPr>
           <a:lstStyle/>
           <a:p>
-            <a:endParaRPr lang="cs-CZ"/>
+            <a:r>
+              <a:rPr lang="cs-CZ" sz="1200" dirty="0">
+                <a:latin typeface="Times New Roman" panose="02020603050405020304" pitchFamily="18" charset="0"/>
+                <a:cs typeface="Times New Roman" panose="02020603050405020304" pitchFamily="18" charset="0"/>
+              </a:rPr>
+              <a:t>Obr.9 Princip MCTS</a:t>
+            </a:r>
+            <a:endParaRPr lang="cs-CZ" sz="1200" dirty="0"/>
           </a:p>
         </p:txBody>
       </p:sp>
     </p:spTree>
     <p:extLst>
       <p:ext uri="{BB962C8B-B14F-4D97-AF65-F5344CB8AC3E}">
-        <p14:creationId xmlns:p14="http://schemas.microsoft.com/office/powerpoint/2010/main" val="1327619846"/>
+        <p14:creationId xmlns:p14="http://schemas.microsoft.com/office/powerpoint/2010/main" val="2756995585"/>
       </p:ext>
     </p:extLst>
   </p:cSld>
@@ -4108,7 +5674,177 @@
 </p:sld>
 </file>
 
-<file path=ppt/slides/slide11.xml><?xml version="1.0" encoding="utf-8"?>
+<file path=ppt/slides/slide13.xml><?xml version="1.0" encoding="utf-8"?>
+<p:sld xmlns:a="http://schemas.openxmlformats.org/drawingml/2006/main" xmlns:r="http://schemas.openxmlformats.org/officeDocument/2006/relationships" xmlns:p="http://schemas.openxmlformats.org/presentationml/2006/main">
+  <p:cSld>
+    <p:spTree>
+      <p:nvGrpSpPr>
+        <p:cNvPr id="1" name=""/>
+        <p:cNvGrpSpPr/>
+        <p:nvPr/>
+      </p:nvGrpSpPr>
+      <p:grpSpPr>
+        <a:xfrm>
+          <a:off x="0" y="0"/>
+          <a:ext cx="0" cy="0"/>
+          <a:chOff x="0" y="0"/>
+          <a:chExt cx="0" cy="0"/>
+        </a:xfrm>
+      </p:grpSpPr>
+      <p:sp>
+        <p:nvSpPr>
+          <p:cNvPr id="2" name="Nadpis 1">
+            <a:extLst>
+              <a:ext uri="{FF2B5EF4-FFF2-40B4-BE49-F238E27FC236}">
+                <a16:creationId xmlns:a16="http://schemas.microsoft.com/office/drawing/2014/main" id="{B74C6C43-5F2B-45AB-B905-469BCFF4F1FD}"/>
+              </a:ext>
+            </a:extLst>
+          </p:cNvPr>
+          <p:cNvSpPr>
+            <a:spLocks noGrp="1"/>
+          </p:cNvSpPr>
+          <p:nvPr>
+            <p:ph type="title"/>
+          </p:nvPr>
+        </p:nvSpPr>
+        <p:spPr>
+          <a:xfrm>
+            <a:off x="1371600" y="685800"/>
+            <a:ext cx="9601200" cy="707994"/>
+          </a:xfrm>
+        </p:spPr>
+        <p:txBody>
+          <a:bodyPr/>
+          <a:lstStyle/>
+          <a:p>
+            <a:r>
+              <a:rPr lang="cs-CZ" dirty="0"/>
+              <a:t>Závěr</a:t>
+            </a:r>
+          </a:p>
+        </p:txBody>
+      </p:sp>
+      <p:sp>
+        <p:nvSpPr>
+          <p:cNvPr id="3" name="Zástupný obsah 2">
+            <a:extLst>
+              <a:ext uri="{FF2B5EF4-FFF2-40B4-BE49-F238E27FC236}">
+                <a16:creationId xmlns:a16="http://schemas.microsoft.com/office/drawing/2014/main" id="{602AAD75-076A-4E2C-B182-D4DFA696F845}"/>
+              </a:ext>
+            </a:extLst>
+          </p:cNvPr>
+          <p:cNvSpPr>
+            <a:spLocks noGrp="1"/>
+          </p:cNvSpPr>
+          <p:nvPr>
+            <p:ph idx="1"/>
+          </p:nvPr>
+        </p:nvSpPr>
+        <p:spPr>
+          <a:xfrm>
+            <a:off x="1371600" y="1393794"/>
+            <a:ext cx="9601200" cy="4473606"/>
+          </a:xfrm>
+        </p:spPr>
+        <p:txBody>
+          <a:bodyPr/>
+          <a:lstStyle/>
+          <a:p>
+            <a:r>
+              <a:rPr lang="cs-CZ" dirty="0"/>
+              <a:t>Základní pilíře AI série Total War jsou:</a:t>
+            </a:r>
+          </a:p>
+          <a:p>
+            <a:pPr lvl="1"/>
+            <a:r>
+              <a:rPr lang="cs-CZ" dirty="0"/>
+              <a:t>Unit AI -</a:t>
+            </a:r>
+            <a:r>
+              <a:rPr lang="en-US" dirty="0"/>
+              <a:t>&gt; </a:t>
+            </a:r>
+            <a:r>
+              <a:rPr lang="cs-CZ" dirty="0"/>
+              <a:t>zodpovídá za chování jednotek, udržení formací</a:t>
+            </a:r>
+          </a:p>
+          <a:p>
+            <a:pPr lvl="1"/>
+            <a:r>
+              <a:rPr lang="cs-CZ" dirty="0"/>
+              <a:t>Bitevní AI -</a:t>
+            </a:r>
+            <a:r>
+              <a:rPr lang="en-US" dirty="0"/>
+              <a:t>&gt;</a:t>
+            </a:r>
+            <a:r>
+              <a:rPr lang="cs-CZ" dirty="0"/>
+              <a:t> rozhoduje o taktice boje v bojové mapě</a:t>
+            </a:r>
+          </a:p>
+          <a:p>
+            <a:pPr lvl="1"/>
+            <a:r>
+              <a:rPr lang="cs-CZ" dirty="0"/>
+              <a:t>Kampaňové AI</a:t>
+            </a:r>
+            <a:r>
+              <a:rPr lang="en-US" dirty="0"/>
+              <a:t> -&gt;</a:t>
+            </a:r>
+            <a:r>
+              <a:rPr lang="cs-CZ" dirty="0"/>
+              <a:t> stará se o  strategii a diplomacii v kampaňové mapě</a:t>
+            </a:r>
+          </a:p>
+          <a:p>
+            <a:r>
+              <a:rPr lang="cs-CZ" dirty="0"/>
+              <a:t>Všechny prošli v průběhu série velkým vývojem</a:t>
+            </a:r>
+          </a:p>
+          <a:p>
+            <a:r>
+              <a:rPr lang="cs-CZ" dirty="0"/>
+              <a:t>Například Kampaňové AI prošlo vývojem od stavového automatu ve starších hrách  (Shogun: Total War až Medieval II: Total War), přes GOAP (Empire a Napoleon: Total War) až k využití MCTS (Od Total War: Rome II)</a:t>
+            </a:r>
+          </a:p>
+          <a:p>
+            <a:endParaRPr lang="cs-CZ" dirty="0"/>
+          </a:p>
+          <a:p>
+            <a:endParaRPr lang="cs-CZ" dirty="0"/>
+          </a:p>
+          <a:p>
+            <a:endParaRPr lang="cs-CZ" dirty="0"/>
+          </a:p>
+          <a:p>
+            <a:pPr lvl="1"/>
+            <a:endParaRPr lang="cs-CZ" dirty="0"/>
+          </a:p>
+          <a:p>
+            <a:pPr lvl="1"/>
+            <a:endParaRPr lang="cs-CZ" dirty="0"/>
+          </a:p>
+        </p:txBody>
+      </p:sp>
+    </p:spTree>
+    <p:extLst>
+      <p:ext uri="{BB962C8B-B14F-4D97-AF65-F5344CB8AC3E}">
+        <p14:creationId xmlns:p14="http://schemas.microsoft.com/office/powerpoint/2010/main" val="4122878282"/>
+      </p:ext>
+    </p:extLst>
+  </p:cSld>
+  <p:clrMapOvr>
+    <a:masterClrMapping/>
+  </p:clrMapOvr>
+</p:sld>
+</file>
+
+<file path=ppt/slides/slide14.xml><?xml version="1.0" encoding="utf-8"?>
 <p:sld xmlns:a="http://schemas.openxmlformats.org/drawingml/2006/main" xmlns:r="http://schemas.openxmlformats.org/officeDocument/2006/relationships" xmlns:p="http://schemas.openxmlformats.org/presentationml/2006/main" showMasterSp="0">
   <p:cSld>
     <p:bg>
@@ -4192,7 +5928,7 @@
         </p:spPr>
         <p:txBody>
           <a:bodyPr>
-            <a:normAutofit lnSpcReduction="10000"/>
+            <a:normAutofit fontScale="85000" lnSpcReduction="10000"/>
           </a:bodyPr>
           <a:lstStyle/>
           <a:p>
@@ -4270,6 +6006,33 @@
                 <a:hlinkClick r:id="rId9"/>
               </a:rPr>
               <a:t>Umění_války</a:t>
+            </a:r>
+            <a:endParaRPr lang="cs-CZ" dirty="0"/>
+          </a:p>
+          <a:p>
+            <a:r>
+              <a:rPr lang="cs-CZ" dirty="0">
+                <a:hlinkClick r:id="rId10"/>
+              </a:rPr>
+              <a:t>http://alumni.media.mit.edu/~jorkin/goap.html</a:t>
+            </a:r>
+            <a:endParaRPr lang="cs-CZ" dirty="0"/>
+          </a:p>
+          <a:p>
+            <a:r>
+              <a:rPr lang="cs-CZ" dirty="0">
+                <a:hlinkClick r:id="rId11"/>
+              </a:rPr>
+              <a:t>https://jaredemitchell.com/goal-oriented-action-planning-research/</a:t>
+            </a:r>
+            <a:endParaRPr lang="cs-CZ" dirty="0"/>
+          </a:p>
+          <a:p>
+            <a:r>
+              <a:rPr lang="cs-CZ" dirty="0">
+                <a:hlinkClick r:id="rId12"/>
+              </a:rPr>
+              <a:t>https://en.wikipedia.org/wiki/Stanford_Research_Institute_Problem_Solver</a:t>
             </a:r>
             <a:endParaRPr lang="cs-CZ" dirty="0"/>
           </a:p>
@@ -4365,7 +6128,109 @@
           <a:bodyPr/>
           <a:lstStyle/>
           <a:p>
-            <a:endParaRPr lang="cs-CZ" dirty="0"/>
+            <a:r>
+              <a:rPr lang="cs-CZ" sz="2800" dirty="0">
+                <a:latin typeface="Times New Roman" panose="02020603050405020304" pitchFamily="18" charset="0"/>
+                <a:cs typeface="Times New Roman" panose="02020603050405020304" pitchFamily="18" charset="0"/>
+              </a:rPr>
+              <a:t>Úvod</a:t>
+            </a:r>
+          </a:p>
+          <a:p>
+            <a:r>
+              <a:rPr lang="cs-CZ" sz="2800" dirty="0">
+                <a:latin typeface="Times New Roman" panose="02020603050405020304" pitchFamily="18" charset="0"/>
+                <a:cs typeface="Times New Roman" panose="02020603050405020304" pitchFamily="18" charset="0"/>
+              </a:rPr>
+              <a:t>První </a:t>
+            </a:r>
+            <a:r>
+              <a:rPr lang="cs-CZ" sz="2800" dirty="0" err="1">
+                <a:latin typeface="Times New Roman" panose="02020603050405020304" pitchFamily="18" charset="0"/>
+                <a:cs typeface="Times New Roman" panose="02020603050405020304" pitchFamily="18" charset="0"/>
+              </a:rPr>
+              <a:t>total</a:t>
+            </a:r>
+            <a:r>
+              <a:rPr lang="cs-CZ" sz="2800" dirty="0">
+                <a:latin typeface="Times New Roman" panose="02020603050405020304" pitchFamily="18" charset="0"/>
+                <a:cs typeface="Times New Roman" panose="02020603050405020304" pitchFamily="18" charset="0"/>
+              </a:rPr>
+              <a:t> </a:t>
+            </a:r>
+            <a:r>
+              <a:rPr lang="cs-CZ" sz="2800" dirty="0" err="1">
+                <a:latin typeface="Times New Roman" panose="02020603050405020304" pitchFamily="18" charset="0"/>
+                <a:cs typeface="Times New Roman" panose="02020603050405020304" pitchFamily="18" charset="0"/>
+              </a:rPr>
+              <a:t>war</a:t>
+            </a:r>
+            <a:r>
+              <a:rPr lang="cs-CZ" sz="2800" dirty="0">
+                <a:latin typeface="Times New Roman" panose="02020603050405020304" pitchFamily="18" charset="0"/>
+                <a:cs typeface="Times New Roman" panose="02020603050405020304" pitchFamily="18" charset="0"/>
+              </a:rPr>
+              <a:t> AI</a:t>
+            </a:r>
+          </a:p>
+          <a:p>
+            <a:r>
+              <a:rPr lang="cs-CZ" sz="2800" dirty="0">
+                <a:latin typeface="Times New Roman" panose="02020603050405020304" pitchFamily="18" charset="0"/>
+                <a:cs typeface="Times New Roman" panose="02020603050405020304" pitchFamily="18" charset="0"/>
+              </a:rPr>
+              <a:t>Základy AI pro další hry</a:t>
+            </a:r>
+          </a:p>
+          <a:p>
+            <a:pPr lvl="1"/>
+            <a:r>
+              <a:rPr lang="cs-CZ" sz="2800" dirty="0">
+                <a:latin typeface="Times New Roman" panose="02020603050405020304" pitchFamily="18" charset="0"/>
+                <a:cs typeface="Times New Roman" panose="02020603050405020304" pitchFamily="18" charset="0"/>
+              </a:rPr>
+              <a:t>Unit AI</a:t>
+            </a:r>
+          </a:p>
+          <a:p>
+            <a:pPr lvl="1"/>
+            <a:r>
+              <a:rPr lang="cs-CZ" sz="2800" dirty="0">
+                <a:latin typeface="Times New Roman" panose="02020603050405020304" pitchFamily="18" charset="0"/>
+                <a:cs typeface="Times New Roman" panose="02020603050405020304" pitchFamily="18" charset="0"/>
+              </a:rPr>
+              <a:t>Bitevní AI</a:t>
+            </a:r>
+          </a:p>
+          <a:p>
+            <a:pPr lvl="1"/>
+            <a:r>
+              <a:rPr lang="cs-CZ" sz="2800" dirty="0">
+                <a:latin typeface="Times New Roman" panose="02020603050405020304" pitchFamily="18" charset="0"/>
+                <a:cs typeface="Times New Roman" panose="02020603050405020304" pitchFamily="18" charset="0"/>
+              </a:rPr>
+              <a:t>Kampaňové AI</a:t>
+            </a:r>
+          </a:p>
+          <a:p>
+            <a:r>
+              <a:rPr lang="cs-CZ" dirty="0"/>
+              <a:t>Další milníky ve vývoji Total War AI</a:t>
+            </a:r>
+          </a:p>
+          <a:p>
+            <a:pPr lvl="1"/>
+            <a:r>
+              <a:rPr lang="cs-CZ" dirty="0"/>
+              <a:t>Empire: Total War – GOAP</a:t>
+            </a:r>
+          </a:p>
+          <a:p>
+            <a:pPr lvl="1"/>
+            <a:r>
+              <a:rPr lang="cs-CZ" dirty="0"/>
+              <a:t>Total War: Rome II - MCTS</a:t>
+            </a:r>
           </a:p>
         </p:txBody>
       </p:sp>
@@ -4465,15 +6330,7 @@
           <a:p>
             <a:r>
               <a:rPr lang="cs-CZ" dirty="0"/>
-              <a:t>Hry ze série </a:t>
-            </a:r>
-            <a:r>
-              <a:rPr lang="cs-CZ" dirty="0" err="1"/>
-              <a:t>Total</a:t>
-            </a:r>
-            <a:r>
-              <a:rPr lang="cs-CZ" dirty="0"/>
-              <a:t> </a:t>
+              <a:t>Hry ze série Total </a:t>
             </a:r>
             <a:r>
               <a:rPr lang="cs-CZ" dirty="0" err="1"/>
@@ -4533,7 +6390,7 @@
                 <a:latin typeface="Times New Roman" panose="02020603050405020304" pitchFamily="18" charset="0"/>
                 <a:cs typeface="Times New Roman" panose="02020603050405020304" pitchFamily="18" charset="0"/>
               </a:rPr>
-              <a:t>Z herní mapy hráč provádí strategická a taktická rozhodnutí jako je přesouvání armád, utváření spojenectví a budování ekonomiky. Při střetu armád je hráč přesunut na bitevní pole, kde ovládá jednotlivé oddíly své armády.</a:t>
+              <a:t>Z herní mapy hráč provádí strategická a taktická rozhodnutí jako je přesouvání armád, utváření spojenectví a budování ekonomiky, při střetu armád je hráč přesunut na bitevní pole, kde ovládá jednotlivé oddíly své armády</a:t>
             </a:r>
           </a:p>
           <a:p>
@@ -4545,7 +6402,7 @@
                 <a:latin typeface="Times New Roman" panose="02020603050405020304" pitchFamily="18" charset="0"/>
                 <a:cs typeface="Times New Roman" panose="02020603050405020304" pitchFamily="18" charset="0"/>
               </a:rPr>
-              <a:t>Hry se hrají převážně v módu jednoho hráče, tudíž kvalitní AI je nutnost pro dobrý herní zážitek, protože AI ovládá všechny ostatní frakce na mapě.</a:t>
+              <a:t>Hry se hrají převážně v módu jednoho hráče, tudíž kvalitní AI je nutnost pro dobrý herní zážitek, protože AI ovládá všechny ostatní frakce na mapě</a:t>
             </a:r>
           </a:p>
           <a:p>
@@ -4667,8 +6524,8 @@
         </p:nvSpPr>
         <p:spPr>
           <a:xfrm>
-            <a:off x="2904930" y="6312606"/>
-            <a:ext cx="3137688" cy="276999"/>
+            <a:off x="2699657" y="6312606"/>
+            <a:ext cx="3207666" cy="276999"/>
           </a:xfrm>
           <a:prstGeom prst="rect">
             <a:avLst/>
@@ -4686,35 +6543,21 @@
                 <a:latin typeface="Times New Roman" panose="02020603050405020304" pitchFamily="18" charset="0"/>
                 <a:cs typeface="Times New Roman" panose="02020603050405020304" pitchFamily="18" charset="0"/>
               </a:rPr>
-              <a:t>Obr.1 Strategický mapa (</a:t>
+              <a:t>Obr.1 Strategický mapa (Total </a:t>
             </a:r>
             <a:r>
               <a:rPr lang="cs-CZ" sz="1200" dirty="0" err="1">
                 <a:latin typeface="Times New Roman" panose="02020603050405020304" pitchFamily="18" charset="0"/>
                 <a:cs typeface="Times New Roman" panose="02020603050405020304" pitchFamily="18" charset="0"/>
               </a:rPr>
-              <a:t>Total</a:t>
+              <a:t>war</a:t>
             </a:r>
             <a:r>
               <a:rPr lang="cs-CZ" sz="1200" dirty="0">
                 <a:latin typeface="Times New Roman" panose="02020603050405020304" pitchFamily="18" charset="0"/>
                 <a:cs typeface="Times New Roman" panose="02020603050405020304" pitchFamily="18" charset="0"/>
               </a:rPr>
-              <a:t> </a:t>
-            </a:r>
-            <a:r>
-              <a:rPr lang="cs-CZ" sz="1200" dirty="0" err="1">
-                <a:latin typeface="Times New Roman" panose="02020603050405020304" pitchFamily="18" charset="0"/>
-                <a:cs typeface="Times New Roman" panose="02020603050405020304" pitchFamily="18" charset="0"/>
-              </a:rPr>
-              <a:t>war</a:t>
-            </a:r>
-            <a:r>
-              <a:rPr lang="cs-CZ" sz="1200" dirty="0">
-                <a:latin typeface="Times New Roman" panose="02020603050405020304" pitchFamily="18" charset="0"/>
-                <a:cs typeface="Times New Roman" panose="02020603050405020304" pitchFamily="18" charset="0"/>
-              </a:rPr>
-              <a:t> medieval II)</a:t>
+              <a:t>: Medieval II)</a:t>
             </a:r>
             <a:endParaRPr lang="cs-CZ" sz="1200" dirty="0"/>
           </a:p>
@@ -4753,35 +6596,21 @@
                 <a:latin typeface="Times New Roman" panose="02020603050405020304" pitchFamily="18" charset="0"/>
                 <a:cs typeface="Times New Roman" panose="02020603050405020304" pitchFamily="18" charset="0"/>
               </a:rPr>
-              <a:t>Obr.1 Bitevní pole (</a:t>
+              <a:t>Obr.2 Bitevní pole (Total </a:t>
             </a:r>
             <a:r>
               <a:rPr lang="cs-CZ" sz="1200" dirty="0" err="1">
                 <a:latin typeface="Times New Roman" panose="02020603050405020304" pitchFamily="18" charset="0"/>
                 <a:cs typeface="Times New Roman" panose="02020603050405020304" pitchFamily="18" charset="0"/>
               </a:rPr>
-              <a:t>Total</a:t>
+              <a:t>war</a:t>
             </a:r>
             <a:r>
               <a:rPr lang="cs-CZ" sz="1200" dirty="0">
                 <a:latin typeface="Times New Roman" panose="02020603050405020304" pitchFamily="18" charset="0"/>
                 <a:cs typeface="Times New Roman" panose="02020603050405020304" pitchFamily="18" charset="0"/>
               </a:rPr>
-              <a:t> </a:t>
-            </a:r>
-            <a:r>
-              <a:rPr lang="cs-CZ" sz="1200" dirty="0" err="1">
-                <a:latin typeface="Times New Roman" panose="02020603050405020304" pitchFamily="18" charset="0"/>
-                <a:cs typeface="Times New Roman" panose="02020603050405020304" pitchFamily="18" charset="0"/>
-              </a:rPr>
-              <a:t>war</a:t>
-            </a:r>
-            <a:r>
-              <a:rPr lang="cs-CZ" sz="1200" dirty="0">
-                <a:latin typeface="Times New Roman" panose="02020603050405020304" pitchFamily="18" charset="0"/>
-                <a:cs typeface="Times New Roman" panose="02020603050405020304" pitchFamily="18" charset="0"/>
-              </a:rPr>
-              <a:t> medieval II)</a:t>
+              <a:t>: Medieval II)</a:t>
             </a:r>
             <a:endParaRPr lang="cs-CZ" sz="1200" dirty="0"/>
           </a:p>
@@ -4878,21 +6707,7 @@
                 <a:latin typeface="Times New Roman" panose="02020603050405020304" pitchFamily="18" charset="0"/>
                 <a:cs typeface="Times New Roman" panose="02020603050405020304" pitchFamily="18" charset="0"/>
               </a:rPr>
-              <a:t> AI – </a:t>
-            </a:r>
-            <a:r>
-              <a:rPr lang="cs-CZ" dirty="0" err="1">
-                <a:latin typeface="Times New Roman" panose="02020603050405020304" pitchFamily="18" charset="0"/>
-                <a:cs typeface="Times New Roman" panose="02020603050405020304" pitchFamily="18" charset="0"/>
-              </a:rPr>
-              <a:t>Shogun</a:t>
-            </a:r>
-            <a:r>
-              <a:rPr lang="cs-CZ" dirty="0">
-                <a:latin typeface="Times New Roman" panose="02020603050405020304" pitchFamily="18" charset="0"/>
-                <a:cs typeface="Times New Roman" panose="02020603050405020304" pitchFamily="18" charset="0"/>
-              </a:rPr>
-              <a:t>: </a:t>
+              <a:t> AI – Shogun: </a:t>
             </a:r>
             <a:r>
               <a:rPr lang="cs-CZ" dirty="0" err="1">
@@ -4954,60 +6769,76 @@
           <a:lstStyle/>
           <a:p>
             <a:r>
+              <a:rPr lang="cs-CZ" sz="2400" dirty="0">
+                <a:latin typeface="Times New Roman" panose="02020603050405020304" pitchFamily="18" charset="0"/>
+                <a:cs typeface="Times New Roman" panose="02020603050405020304" pitchFamily="18" charset="0"/>
+              </a:rPr>
+              <a:t>Total </a:t>
+            </a:r>
+            <a:r>
               <a:rPr lang="cs-CZ" sz="2400" dirty="0" err="1">
                 <a:latin typeface="Times New Roman" panose="02020603050405020304" pitchFamily="18" charset="0"/>
                 <a:cs typeface="Times New Roman" panose="02020603050405020304" pitchFamily="18" charset="0"/>
               </a:rPr>
-              <a:t>Total</a:t>
+              <a:t>war</a:t>
             </a:r>
             <a:r>
               <a:rPr lang="cs-CZ" sz="2400" dirty="0">
                 <a:latin typeface="Times New Roman" panose="02020603050405020304" pitchFamily="18" charset="0"/>
                 <a:cs typeface="Times New Roman" panose="02020603050405020304" pitchFamily="18" charset="0"/>
               </a:rPr>
-              <a:t> </a:t>
+              <a:t> AI se odlišuje od AI využívaného v </a:t>
             </a:r>
             <a:r>
               <a:rPr lang="cs-CZ" sz="2400" dirty="0" err="1">
                 <a:latin typeface="Times New Roman" panose="02020603050405020304" pitchFamily="18" charset="0"/>
                 <a:cs typeface="Times New Roman" panose="02020603050405020304" pitchFamily="18" charset="0"/>
               </a:rPr>
-              <a:t>war</a:t>
+              <a:t>real</a:t>
             </a:r>
             <a:r>
               <a:rPr lang="cs-CZ" sz="2400" dirty="0">
                 <a:latin typeface="Times New Roman" panose="02020603050405020304" pitchFamily="18" charset="0"/>
                 <a:cs typeface="Times New Roman" panose="02020603050405020304" pitchFamily="18" charset="0"/>
               </a:rPr>
-              <a:t> AI se odlišuje od AI využívaného v </a:t>
+              <a:t>-time strategiích tím, že je kombinací </a:t>
             </a:r>
             <a:r>
               <a:rPr lang="cs-CZ" sz="2400" dirty="0" err="1">
                 <a:latin typeface="Times New Roman" panose="02020603050405020304" pitchFamily="18" charset="0"/>
                 <a:cs typeface="Times New Roman" panose="02020603050405020304" pitchFamily="18" charset="0"/>
               </a:rPr>
-              <a:t>real</a:t>
+              <a:t>nějaka</a:t>
             </a:r>
             <a:r>
               <a:rPr lang="cs-CZ" sz="2400" dirty="0">
                 <a:latin typeface="Times New Roman" panose="02020603050405020304" pitchFamily="18" charset="0"/>
                 <a:cs typeface="Times New Roman" panose="02020603050405020304" pitchFamily="18" charset="0"/>
               </a:rPr>
-              <a:t>-time strategiích tím, že je kombinací </a:t>
+              <a:t> druhů AI</a:t>
+            </a:r>
+          </a:p>
+          <a:p>
+            <a:r>
+              <a:rPr lang="cs-CZ" sz="2400" dirty="0">
+                <a:latin typeface="Times New Roman" panose="02020603050405020304" pitchFamily="18" charset="0"/>
+                <a:cs typeface="Times New Roman" panose="02020603050405020304" pitchFamily="18" charset="0"/>
+              </a:rPr>
+              <a:t>Unit AI – zodpovědné za chování jednotlivých skupin vojáků, aby působili jako skupina reálných </a:t>
             </a:r>
             <a:r>
               <a:rPr lang="cs-CZ" sz="2400" dirty="0" err="1">
                 <a:latin typeface="Times New Roman" panose="02020603050405020304" pitchFamily="18" charset="0"/>
                 <a:cs typeface="Times New Roman" panose="02020603050405020304" pitchFamily="18" charset="0"/>
               </a:rPr>
-              <a:t>nějaka</a:t>
+              <a:t>bojujích</a:t>
             </a:r>
             <a:r>
               <a:rPr lang="cs-CZ" sz="2400" dirty="0">
                 <a:latin typeface="Times New Roman" panose="02020603050405020304" pitchFamily="18" charset="0"/>
                 <a:cs typeface="Times New Roman" panose="02020603050405020304" pitchFamily="18" charset="0"/>
               </a:rPr>
-              <a:t> druhů AI.</a:t>
+              <a:t> vojáků</a:t>
             </a:r>
           </a:p>
           <a:p>
@@ -5016,30 +6847,7 @@
                 <a:latin typeface="Times New Roman" panose="02020603050405020304" pitchFamily="18" charset="0"/>
                 <a:cs typeface="Times New Roman" panose="02020603050405020304" pitchFamily="18" charset="0"/>
               </a:rPr>
-              <a:t>Unit AI – zodpovědné za chování jednotlivých skupin vojáků, aby působili jako skupina reálných </a:t>
-            </a:r>
-            <a:r>
-              <a:rPr lang="cs-CZ" sz="2400" dirty="0" err="1">
-                <a:latin typeface="Times New Roman" panose="02020603050405020304" pitchFamily="18" charset="0"/>
-                <a:cs typeface="Times New Roman" panose="02020603050405020304" pitchFamily="18" charset="0"/>
-              </a:rPr>
-              <a:t>bojujích</a:t>
-            </a:r>
-            <a:r>
-              <a:rPr lang="cs-CZ" sz="2400" dirty="0">
-                <a:latin typeface="Times New Roman" panose="02020603050405020304" pitchFamily="18" charset="0"/>
-                <a:cs typeface="Times New Roman" panose="02020603050405020304" pitchFamily="18" charset="0"/>
-              </a:rPr>
-              <a:t> vojáků.</a:t>
-            </a:r>
-          </a:p>
-          <a:p>
-            <a:r>
-              <a:rPr lang="cs-CZ" sz="2400" dirty="0">
-                <a:latin typeface="Times New Roman" panose="02020603050405020304" pitchFamily="18" charset="0"/>
-                <a:cs typeface="Times New Roman" panose="02020603050405020304" pitchFamily="18" charset="0"/>
-              </a:rPr>
-              <a:t>Bitevní AI – zodpovědné za ovládání pohybu jednotek na bojišti, taktiku, bojové formace a uspořádání armády.</a:t>
+              <a:t>Bitevní AI – zodpovědné za ovládání pohybu jednotek na bojišti, taktiku, bojové formace a uspořádání armády</a:t>
             </a:r>
           </a:p>
           <a:p>
@@ -5180,49 +6988,7 @@
                 <a:latin typeface="Times New Roman" panose="02020603050405020304" pitchFamily="18" charset="0"/>
                 <a:cs typeface="Times New Roman" panose="02020603050405020304" pitchFamily="18" charset="0"/>
               </a:rPr>
-              <a:t>Obr.2 a Obr.3 Ukázky z </a:t>
-            </a:r>
-            <a:r>
-              <a:rPr lang="cs-CZ" sz="1200" dirty="0" err="1">
-                <a:latin typeface="Times New Roman" panose="02020603050405020304" pitchFamily="18" charset="0"/>
-                <a:cs typeface="Times New Roman" panose="02020603050405020304" pitchFamily="18" charset="0"/>
-              </a:rPr>
-              <a:t>Shogun</a:t>
-            </a:r>
-            <a:r>
-              <a:rPr lang="cs-CZ" sz="1200" dirty="0">
-                <a:latin typeface="Times New Roman" panose="02020603050405020304" pitchFamily="18" charset="0"/>
-                <a:cs typeface="Times New Roman" panose="02020603050405020304" pitchFamily="18" charset="0"/>
-              </a:rPr>
-              <a:t>: </a:t>
-            </a:r>
-            <a:r>
-              <a:rPr lang="cs-CZ" sz="1200" dirty="0" err="1">
-                <a:latin typeface="Times New Roman" panose="02020603050405020304" pitchFamily="18" charset="0"/>
-                <a:cs typeface="Times New Roman" panose="02020603050405020304" pitchFamily="18" charset="0"/>
-              </a:rPr>
-              <a:t>total</a:t>
-            </a:r>
-            <a:r>
-              <a:rPr lang="cs-CZ" sz="1200" dirty="0">
-                <a:latin typeface="Times New Roman" panose="02020603050405020304" pitchFamily="18" charset="0"/>
-                <a:cs typeface="Times New Roman" panose="02020603050405020304" pitchFamily="18" charset="0"/>
-              </a:rPr>
-              <a:t> </a:t>
-            </a:r>
-            <a:r>
-              <a:rPr lang="cs-CZ" sz="1200" dirty="0" err="1">
-                <a:latin typeface="Times New Roman" panose="02020603050405020304" pitchFamily="18" charset="0"/>
-                <a:cs typeface="Times New Roman" panose="02020603050405020304" pitchFamily="18" charset="0"/>
-              </a:rPr>
-              <a:t>war</a:t>
-            </a:r>
-            <a:r>
-              <a:rPr lang="cs-CZ" sz="1200" dirty="0">
-                <a:latin typeface="Times New Roman" panose="02020603050405020304" pitchFamily="18" charset="0"/>
-                <a:cs typeface="Times New Roman" panose="02020603050405020304" pitchFamily="18" charset="0"/>
-              </a:rPr>
-              <a:t> (2000)</a:t>
+              <a:t>Obr.3 a Obr.4 Ukázky z Shogun: Total War (2000)</a:t>
             </a:r>
             <a:endParaRPr lang="cs-CZ" sz="1200" dirty="0"/>
           </a:p>
@@ -5517,7 +7283,7 @@
           <p:nvPr/>
         </p:nvPicPr>
         <p:blipFill>
-          <a:blip r:embed="rId2">
+          <a:blip r:embed="rId3">
             <a:extLst>
               <a:ext uri="{28A0092B-C50C-407E-A947-70E740481C1C}">
                 <a14:useLocalDpi xmlns:a14="http://schemas.microsoft.com/office/drawing/2010/main" val="0"/>
@@ -5549,6 +7315,45 @@
           </a:extLst>
         </p:spPr>
       </p:pic>
+      <p:sp>
+        <p:nvSpPr>
+          <p:cNvPr id="6" name="TextovéPole 5">
+            <a:extLst>
+              <a:ext uri="{FF2B5EF4-FFF2-40B4-BE49-F238E27FC236}">
+                <a16:creationId xmlns:a16="http://schemas.microsoft.com/office/drawing/2014/main" id="{83D9A8D1-B62F-4187-850F-3257F4A7DB3F}"/>
+              </a:ext>
+            </a:extLst>
+          </p:cNvPr>
+          <p:cNvSpPr txBox="1"/>
+          <p:nvPr/>
+        </p:nvSpPr>
+        <p:spPr>
+          <a:xfrm>
+            <a:off x="7842718" y="6289586"/>
+            <a:ext cx="2588543" cy="276999"/>
+          </a:xfrm>
+          <a:prstGeom prst="rect">
+            <a:avLst/>
+          </a:prstGeom>
+          <a:noFill/>
+        </p:spPr>
+        <p:txBody>
+          <a:bodyPr wrap="square">
+            <a:spAutoFit/>
+          </a:bodyPr>
+          <a:lstStyle/>
+          <a:p>
+            <a:r>
+              <a:rPr lang="cs-CZ" sz="1200" dirty="0">
+                <a:latin typeface="Times New Roman" panose="02020603050405020304" pitchFamily="18" charset="0"/>
+                <a:cs typeface="Times New Roman" panose="02020603050405020304" pitchFamily="18" charset="0"/>
+              </a:rPr>
+              <a:t>Obr.5 Citát z Umění války</a:t>
+            </a:r>
+            <a:endParaRPr lang="cs-CZ" sz="1200" dirty="0"/>
+          </a:p>
+        </p:txBody>
+      </p:sp>
     </p:spTree>
     <p:extLst>
       <p:ext uri="{BB962C8B-B14F-4D97-AF65-F5344CB8AC3E}">
@@ -5659,7 +7464,7 @@
                 <a:latin typeface="Times New Roman" panose="02020603050405020304" pitchFamily="18" charset="0"/>
                 <a:cs typeface="Times New Roman" panose="02020603050405020304" pitchFamily="18" charset="0"/>
               </a:rPr>
-              <a:t>K tomu využívá kombinaci klasických stavových automatů k rozhodování a genetických algoritmů k přizpůsobení přístupu každého daimjóa (což je japonská vysoká šlechta, ve hře vůdce každé frakce). </a:t>
+              <a:t>K tomu využívá kombinaci klasických stavových automatů k rozhodování a genetických algoritmů k přizpůsobení přístupu každého daimjóa (což je japonská vysoká šlechta, ve hře vůdce každé frakce)</a:t>
             </a:r>
           </a:p>
           <a:p>
@@ -5668,7 +7473,7 @@
                 <a:latin typeface="Times New Roman" panose="02020603050405020304" pitchFamily="18" charset="0"/>
                 <a:cs typeface="Times New Roman" panose="02020603050405020304" pitchFamily="18" charset="0"/>
               </a:rPr>
-              <a:t>Nenosí v sobě žádnou paměť stávajícího chování ani nemá žádný složitý rozhodovací proces.  </a:t>
+              <a:t>Nenosí v sobě žádnou paměť stávajícího chování ani nemá žádný složitý rozhodovací proces  </a:t>
             </a:r>
           </a:p>
           <a:p>
@@ -5677,7 +7482,7 @@
                 <a:latin typeface="Times New Roman" panose="02020603050405020304" pitchFamily="18" charset="0"/>
                 <a:cs typeface="Times New Roman" panose="02020603050405020304" pitchFamily="18" charset="0"/>
               </a:rPr>
-              <a:t>Jednoduše reaguje na události, které se odehrávají kolem ní.</a:t>
+              <a:t>Jednoduše reaguje na události, které se odehrávají kolem ní</a:t>
             </a:r>
           </a:p>
         </p:txBody>
@@ -5783,35 +7588,62 @@
                 <a:latin typeface="Times New Roman" panose="02020603050405020304" pitchFamily="18" charset="0"/>
                 <a:cs typeface="Times New Roman" panose="02020603050405020304" pitchFamily="18" charset="0"/>
               </a:rPr>
-              <a:t>Tyto tři specifické struktury AI: Unit AI, Bitevní AI, Kampaňové AI z </a:t>
+              <a:t>Tyto tři specifické struktury AI: Unit AI, Bitevní AI, Kampaňové AI z Shogun: Total </a:t>
             </a:r>
             <a:r>
               <a:rPr lang="cs-CZ" sz="2400" dirty="0" err="1">
                 <a:latin typeface="Times New Roman" panose="02020603050405020304" pitchFamily="18" charset="0"/>
                 <a:cs typeface="Times New Roman" panose="02020603050405020304" pitchFamily="18" charset="0"/>
               </a:rPr>
-              <a:t>Shogun</a:t>
+              <a:t>war</a:t>
             </a:r>
             <a:r>
               <a:rPr lang="cs-CZ" sz="2400" dirty="0">
                 <a:latin typeface="Times New Roman" panose="02020603050405020304" pitchFamily="18" charset="0"/>
                 <a:cs typeface="Times New Roman" panose="02020603050405020304" pitchFamily="18" charset="0"/>
               </a:rPr>
-              <a:t>: </a:t>
+              <a:t> (2000) přebírají další hry ze série</a:t>
+            </a:r>
+          </a:p>
+          <a:p>
+            <a:r>
+              <a:rPr lang="cs-CZ" sz="2400" dirty="0">
+                <a:latin typeface="Times New Roman" panose="02020603050405020304" pitchFamily="18" charset="0"/>
+                <a:cs typeface="Times New Roman" panose="02020603050405020304" pitchFamily="18" charset="0"/>
+              </a:rPr>
+              <a:t>Každá hra v série AI buď rozšiřuje nebo využívá novější a pokročilejší typy Umělé inteligence</a:t>
+            </a:r>
+          </a:p>
+          <a:p>
+            <a:r>
+              <a:rPr lang="cs-CZ" sz="2400" dirty="0">
+                <a:latin typeface="Times New Roman" panose="02020603050405020304" pitchFamily="18" charset="0"/>
+                <a:cs typeface="Times New Roman" panose="02020603050405020304" pitchFamily="18" charset="0"/>
+              </a:rPr>
+              <a:t>AI kampaně ve starších hrách bylo součástí logiky hry samotné což znamená, že AI mělo přístup k informacím a akcím, které hráč neměl (tedy v některých </a:t>
             </a:r>
             <a:r>
               <a:rPr lang="cs-CZ" sz="2400" dirty="0" err="1">
                 <a:latin typeface="Times New Roman" panose="02020603050405020304" pitchFamily="18" charset="0"/>
                 <a:cs typeface="Times New Roman" panose="02020603050405020304" pitchFamily="18" charset="0"/>
               </a:rPr>
-              <a:t>Total</a:t>
+              <a:t>situácích</a:t>
             </a:r>
             <a:r>
               <a:rPr lang="cs-CZ" sz="2400" dirty="0">
                 <a:latin typeface="Times New Roman" panose="02020603050405020304" pitchFamily="18" charset="0"/>
                 <a:cs typeface="Times New Roman" panose="02020603050405020304" pitchFamily="18" charset="0"/>
               </a:rPr>
-              <a:t> </a:t>
+              <a:t> AI podvádělo)</a:t>
+            </a:r>
+          </a:p>
+          <a:p>
+            <a:r>
+              <a:rPr lang="cs-CZ" sz="2400" dirty="0">
+                <a:latin typeface="Times New Roman" panose="02020603050405020304" pitchFamily="18" charset="0"/>
+                <a:cs typeface="Times New Roman" panose="02020603050405020304" pitchFamily="18" charset="0"/>
+              </a:rPr>
+              <a:t>V Empire: Total </a:t>
             </a:r>
             <a:r>
               <a:rPr lang="cs-CZ" sz="2400" dirty="0" err="1">
@@ -5825,76 +7657,7 @@
                 <a:latin typeface="Times New Roman" panose="02020603050405020304" pitchFamily="18" charset="0"/>
                 <a:cs typeface="Times New Roman" panose="02020603050405020304" pitchFamily="18" charset="0"/>
               </a:rPr>
-              <a:t> (2000) přebírají další hry ze série. </a:t>
-            </a:r>
-          </a:p>
-          <a:p>
-            <a:r>
-              <a:rPr lang="cs-CZ" sz="2400" dirty="0">
-                <a:latin typeface="Times New Roman" panose="02020603050405020304" pitchFamily="18" charset="0"/>
-                <a:cs typeface="Times New Roman" panose="02020603050405020304" pitchFamily="18" charset="0"/>
-              </a:rPr>
-              <a:t>Každá hra v série AI buď rozšiřuje nebo využívá novější a pokročilejší typy Umělé inteligence.</a:t>
-            </a:r>
-          </a:p>
-          <a:p>
-            <a:r>
-              <a:rPr lang="cs-CZ" sz="2400" dirty="0">
-                <a:latin typeface="Times New Roman" panose="02020603050405020304" pitchFamily="18" charset="0"/>
-                <a:cs typeface="Times New Roman" panose="02020603050405020304" pitchFamily="18" charset="0"/>
-              </a:rPr>
-              <a:t>AI kampaně ve starších hrách bylo součástí logiky hry samotné což znamená, že AI mělo přístup k informacím a akcím, které hráč neměl (tedy v některých </a:t>
-            </a:r>
-            <a:r>
-              <a:rPr lang="cs-CZ" sz="2400" dirty="0" err="1">
-                <a:latin typeface="Times New Roman" panose="02020603050405020304" pitchFamily="18" charset="0"/>
-                <a:cs typeface="Times New Roman" panose="02020603050405020304" pitchFamily="18" charset="0"/>
-              </a:rPr>
-              <a:t>situácích</a:t>
-            </a:r>
-            <a:r>
-              <a:rPr lang="cs-CZ" sz="2400" dirty="0">
-                <a:latin typeface="Times New Roman" panose="02020603050405020304" pitchFamily="18" charset="0"/>
-                <a:cs typeface="Times New Roman" panose="02020603050405020304" pitchFamily="18" charset="0"/>
-              </a:rPr>
-              <a:t> AI podvádělo).</a:t>
-            </a:r>
-          </a:p>
-          <a:p>
-            <a:r>
-              <a:rPr lang="cs-CZ" sz="2400" dirty="0">
-                <a:latin typeface="Times New Roman" panose="02020603050405020304" pitchFamily="18" charset="0"/>
-                <a:cs typeface="Times New Roman" panose="02020603050405020304" pitchFamily="18" charset="0"/>
-              </a:rPr>
-              <a:t>V Empire: </a:t>
-            </a:r>
-            <a:r>
-              <a:rPr lang="cs-CZ" sz="2400" dirty="0" err="1">
-                <a:latin typeface="Times New Roman" panose="02020603050405020304" pitchFamily="18" charset="0"/>
-                <a:cs typeface="Times New Roman" panose="02020603050405020304" pitchFamily="18" charset="0"/>
-              </a:rPr>
-              <a:t>Total</a:t>
-            </a:r>
-            <a:r>
-              <a:rPr lang="cs-CZ" sz="2400" dirty="0">
-                <a:latin typeface="Times New Roman" panose="02020603050405020304" pitchFamily="18" charset="0"/>
-                <a:cs typeface="Times New Roman" panose="02020603050405020304" pitchFamily="18" charset="0"/>
-              </a:rPr>
-              <a:t> </a:t>
-            </a:r>
-            <a:r>
-              <a:rPr lang="cs-CZ" sz="2400" dirty="0" err="1">
-                <a:latin typeface="Times New Roman" panose="02020603050405020304" pitchFamily="18" charset="0"/>
-                <a:cs typeface="Times New Roman" panose="02020603050405020304" pitchFamily="18" charset="0"/>
-              </a:rPr>
-              <a:t>war</a:t>
-            </a:r>
-            <a:r>
-              <a:rPr lang="cs-CZ" sz="2400" dirty="0">
-                <a:latin typeface="Times New Roman" panose="02020603050405020304" pitchFamily="18" charset="0"/>
-                <a:cs typeface="Times New Roman" panose="02020603050405020304" pitchFamily="18" charset="0"/>
-              </a:rPr>
-              <a:t> a dál bylo toto AI odděleno tak, že hraje hru stejně jako hráč. Má v kódu hry rozhraní, které mu umožnuje se hrou komunikovat a vice versa.</a:t>
+              <a:t> a dál bylo toto AI odděleno tak, že hraje hru stejně jako hráč, tedy má v kódu hry rozhraní, které mu umožnuje se hrou komunikovat a vice versa</a:t>
             </a:r>
           </a:p>
         </p:txBody>
@@ -5962,21 +7725,7 @@
                 <a:latin typeface="Times New Roman" panose="02020603050405020304" pitchFamily="18" charset="0"/>
                 <a:cs typeface="Times New Roman" panose="02020603050405020304" pitchFamily="18" charset="0"/>
               </a:rPr>
-              <a:t>Empire : </a:t>
-            </a:r>
-            <a:r>
-              <a:rPr lang="cs-CZ" dirty="0" err="1">
-                <a:latin typeface="Times New Roman" panose="02020603050405020304" pitchFamily="18" charset="0"/>
-                <a:cs typeface="Times New Roman" panose="02020603050405020304" pitchFamily="18" charset="0"/>
-              </a:rPr>
-              <a:t>Total</a:t>
-            </a:r>
-            <a:r>
-              <a:rPr lang="cs-CZ" dirty="0">
-                <a:latin typeface="Times New Roman" panose="02020603050405020304" pitchFamily="18" charset="0"/>
-                <a:cs typeface="Times New Roman" panose="02020603050405020304" pitchFamily="18" charset="0"/>
-              </a:rPr>
-              <a:t> </a:t>
+              <a:t>Empire: Total </a:t>
             </a:r>
             <a:r>
               <a:rPr lang="cs-CZ" dirty="0" err="1">
@@ -6058,12 +7807,388 @@
             <p:ph idx="1"/>
           </p:nvPr>
         </p:nvSpPr>
-        <p:spPr/>
-        <p:txBody>
-          <a:bodyPr/>
+        <p:spPr>
+          <a:xfrm>
+            <a:off x="1371600" y="1269506"/>
+            <a:ext cx="9601200" cy="4902693"/>
+          </a:xfrm>
+        </p:spPr>
+        <p:txBody>
+          <a:bodyPr>
+            <a:normAutofit/>
+          </a:bodyPr>
           <a:lstStyle/>
           <a:p>
-            <a:endParaRPr lang="cs-CZ" dirty="0"/>
+            <a:r>
+              <a:rPr lang="en-US" dirty="0">
+                <a:latin typeface="Times New Roman" panose="02020603050405020304" pitchFamily="18" charset="0"/>
+                <a:cs typeface="Times New Roman" panose="02020603050405020304" pitchFamily="18" charset="0"/>
+              </a:rPr>
+              <a:t>Dal</a:t>
+            </a:r>
+            <a:r>
+              <a:rPr lang="cs-CZ" dirty="0" err="1">
+                <a:latin typeface="Times New Roman" panose="02020603050405020304" pitchFamily="18" charset="0"/>
+                <a:cs typeface="Times New Roman" panose="02020603050405020304" pitchFamily="18" charset="0"/>
+              </a:rPr>
+              <a:t>ším</a:t>
+            </a:r>
+            <a:r>
+              <a:rPr lang="cs-CZ" dirty="0">
+                <a:latin typeface="Times New Roman" panose="02020603050405020304" pitchFamily="18" charset="0"/>
+                <a:cs typeface="Times New Roman" panose="02020603050405020304" pitchFamily="18" charset="0"/>
+              </a:rPr>
+              <a:t> milníkem pro Total </a:t>
+            </a:r>
+            <a:r>
+              <a:rPr lang="cs-CZ" dirty="0" err="1">
+                <a:latin typeface="Times New Roman" panose="02020603050405020304" pitchFamily="18" charset="0"/>
+                <a:cs typeface="Times New Roman" panose="02020603050405020304" pitchFamily="18" charset="0"/>
+              </a:rPr>
+              <a:t>war</a:t>
+            </a:r>
+            <a:r>
+              <a:rPr lang="cs-CZ" dirty="0">
+                <a:latin typeface="Times New Roman" panose="02020603050405020304" pitchFamily="18" charset="0"/>
+                <a:cs typeface="Times New Roman" panose="02020603050405020304" pitchFamily="18" charset="0"/>
+              </a:rPr>
+              <a:t> AI je příchod </a:t>
+            </a:r>
+            <a:r>
+              <a:rPr lang="cs-CZ" dirty="0" err="1">
+                <a:latin typeface="Times New Roman" panose="02020603050405020304" pitchFamily="18" charset="0"/>
+                <a:cs typeface="Times New Roman" panose="02020603050405020304" pitchFamily="18" charset="0"/>
+              </a:rPr>
+              <a:t>Emipire</a:t>
+            </a:r>
+            <a:r>
+              <a:rPr lang="cs-CZ" dirty="0">
+                <a:latin typeface="Times New Roman" panose="02020603050405020304" pitchFamily="18" charset="0"/>
+                <a:cs typeface="Times New Roman" panose="02020603050405020304" pitchFamily="18" charset="0"/>
+              </a:rPr>
+              <a:t>: </a:t>
+            </a:r>
+            <a:r>
+              <a:rPr lang="cs-CZ" dirty="0" err="1">
+                <a:latin typeface="Times New Roman" panose="02020603050405020304" pitchFamily="18" charset="0"/>
+                <a:cs typeface="Times New Roman" panose="02020603050405020304" pitchFamily="18" charset="0"/>
+              </a:rPr>
+              <a:t>total</a:t>
+            </a:r>
+            <a:r>
+              <a:rPr lang="cs-CZ" dirty="0">
+                <a:latin typeface="Times New Roman" panose="02020603050405020304" pitchFamily="18" charset="0"/>
+                <a:cs typeface="Times New Roman" panose="02020603050405020304" pitchFamily="18" charset="0"/>
+              </a:rPr>
+              <a:t> </a:t>
+            </a:r>
+            <a:r>
+              <a:rPr lang="cs-CZ" dirty="0" err="1">
+                <a:latin typeface="Times New Roman" panose="02020603050405020304" pitchFamily="18" charset="0"/>
+                <a:cs typeface="Times New Roman" panose="02020603050405020304" pitchFamily="18" charset="0"/>
+              </a:rPr>
+              <a:t>war</a:t>
+            </a:r>
+            <a:r>
+              <a:rPr lang="cs-CZ" dirty="0">
+                <a:latin typeface="Times New Roman" panose="02020603050405020304" pitchFamily="18" charset="0"/>
+                <a:cs typeface="Times New Roman" panose="02020603050405020304" pitchFamily="18" charset="0"/>
+              </a:rPr>
+              <a:t>, potažmo Napoleon: </a:t>
+            </a:r>
+            <a:r>
+              <a:rPr lang="cs-CZ" dirty="0" err="1">
+                <a:latin typeface="Times New Roman" panose="02020603050405020304" pitchFamily="18" charset="0"/>
+                <a:cs typeface="Times New Roman" panose="02020603050405020304" pitchFamily="18" charset="0"/>
+              </a:rPr>
+              <a:t>total</a:t>
+            </a:r>
+            <a:r>
+              <a:rPr lang="cs-CZ" dirty="0">
+                <a:latin typeface="Times New Roman" panose="02020603050405020304" pitchFamily="18" charset="0"/>
+                <a:cs typeface="Times New Roman" panose="02020603050405020304" pitchFamily="18" charset="0"/>
+              </a:rPr>
+              <a:t> </a:t>
+            </a:r>
+            <a:r>
+              <a:rPr lang="cs-CZ" dirty="0" err="1">
+                <a:latin typeface="Times New Roman" panose="02020603050405020304" pitchFamily="18" charset="0"/>
+                <a:cs typeface="Times New Roman" panose="02020603050405020304" pitchFamily="18" charset="0"/>
+              </a:rPr>
+              <a:t>war</a:t>
+            </a:r>
+            <a:r>
+              <a:rPr lang="cs-CZ" dirty="0">
+                <a:latin typeface="Times New Roman" panose="02020603050405020304" pitchFamily="18" charset="0"/>
+                <a:cs typeface="Times New Roman" panose="02020603050405020304" pitchFamily="18" charset="0"/>
+              </a:rPr>
+              <a:t>, který využívá stejné již zdokonalené AI</a:t>
+            </a:r>
+          </a:p>
+          <a:p>
+            <a:r>
+              <a:rPr lang="cs-CZ" dirty="0">
+                <a:latin typeface="Times New Roman" panose="02020603050405020304" pitchFamily="18" charset="0"/>
+                <a:cs typeface="Times New Roman" panose="02020603050405020304" pitchFamily="18" charset="0"/>
+              </a:rPr>
+              <a:t>Kampaňové a </a:t>
+            </a:r>
+            <a:r>
+              <a:rPr lang="cs-CZ" dirty="0" err="1">
+                <a:latin typeface="Times New Roman" panose="02020603050405020304" pitchFamily="18" charset="0"/>
+                <a:cs typeface="Times New Roman" panose="02020603050405020304" pitchFamily="18" charset="0"/>
+              </a:rPr>
+              <a:t>bitivní</a:t>
+            </a:r>
+            <a:r>
+              <a:rPr lang="cs-CZ" dirty="0">
+                <a:latin typeface="Times New Roman" panose="02020603050405020304" pitchFamily="18" charset="0"/>
+                <a:cs typeface="Times New Roman" panose="02020603050405020304" pitchFamily="18" charset="0"/>
+              </a:rPr>
+              <a:t> AI bylo předěláno z reaktivního využívající stavové automaty na AI, které mělo uvažovat o dlouhodobějších důsledcích a přitom rozhodovat o více věcech najednou</a:t>
+            </a:r>
+          </a:p>
+          <a:p>
+            <a:r>
+              <a:rPr lang="cs-CZ" dirty="0">
+                <a:latin typeface="Times New Roman" panose="02020603050405020304" pitchFamily="18" charset="0"/>
+                <a:cs typeface="Times New Roman" panose="02020603050405020304" pitchFamily="18" charset="0"/>
+              </a:rPr>
+              <a:t>Zvolenou metodou byl: </a:t>
+            </a:r>
+            <a:r>
+              <a:rPr lang="cs-CZ" b="1" i="0" dirty="0" err="1">
+                <a:solidFill>
+                  <a:srgbClr val="000000"/>
+                </a:solidFill>
+                <a:effectLst/>
+                <a:latin typeface="Times New Roman" panose="02020603050405020304" pitchFamily="18" charset="0"/>
+                <a:cs typeface="Times New Roman" panose="02020603050405020304" pitchFamily="18" charset="0"/>
+              </a:rPr>
+              <a:t>Goal-Oriented</a:t>
+            </a:r>
+            <a:r>
+              <a:rPr lang="cs-CZ" b="1" i="0" dirty="0">
+                <a:solidFill>
+                  <a:srgbClr val="000000"/>
+                </a:solidFill>
+                <a:effectLst/>
+                <a:latin typeface="Times New Roman" panose="02020603050405020304" pitchFamily="18" charset="0"/>
+                <a:cs typeface="Times New Roman" panose="02020603050405020304" pitchFamily="18" charset="0"/>
+              </a:rPr>
+              <a:t> </a:t>
+            </a:r>
+            <a:r>
+              <a:rPr lang="cs-CZ" b="1" i="0" dirty="0" err="1">
+                <a:solidFill>
+                  <a:srgbClr val="000000"/>
+                </a:solidFill>
+                <a:effectLst/>
+                <a:latin typeface="Times New Roman" panose="02020603050405020304" pitchFamily="18" charset="0"/>
+                <a:cs typeface="Times New Roman" panose="02020603050405020304" pitchFamily="18" charset="0"/>
+              </a:rPr>
+              <a:t>Action</a:t>
+            </a:r>
+            <a:r>
+              <a:rPr lang="cs-CZ" b="1" i="0" dirty="0">
+                <a:solidFill>
+                  <a:srgbClr val="000000"/>
+                </a:solidFill>
+                <a:effectLst/>
+                <a:latin typeface="Times New Roman" panose="02020603050405020304" pitchFamily="18" charset="0"/>
+                <a:cs typeface="Times New Roman" panose="02020603050405020304" pitchFamily="18" charset="0"/>
+              </a:rPr>
+              <a:t> </a:t>
+            </a:r>
+            <a:r>
+              <a:rPr lang="cs-CZ" b="1" i="0" dirty="0" err="1">
+                <a:solidFill>
+                  <a:srgbClr val="000000"/>
+                </a:solidFill>
+                <a:effectLst/>
+                <a:latin typeface="Times New Roman" panose="02020603050405020304" pitchFamily="18" charset="0"/>
+                <a:cs typeface="Times New Roman" panose="02020603050405020304" pitchFamily="18" charset="0"/>
+              </a:rPr>
+              <a:t>Planning</a:t>
+            </a:r>
+            <a:r>
+              <a:rPr lang="cs-CZ" b="1" i="0" dirty="0">
+                <a:solidFill>
+                  <a:srgbClr val="000000"/>
+                </a:solidFill>
+                <a:effectLst/>
+                <a:latin typeface="Times New Roman" panose="02020603050405020304" pitchFamily="18" charset="0"/>
+                <a:cs typeface="Times New Roman" panose="02020603050405020304" pitchFamily="18" charset="0"/>
+              </a:rPr>
+              <a:t> (GOAP)</a:t>
+            </a:r>
+          </a:p>
+          <a:p>
+            <a:r>
+              <a:rPr lang="cs-CZ" i="0" dirty="0">
+                <a:solidFill>
+                  <a:srgbClr val="000000"/>
+                </a:solidFill>
+                <a:effectLst/>
+                <a:latin typeface="Times New Roman" panose="02020603050405020304" pitchFamily="18" charset="0"/>
+                <a:cs typeface="Times New Roman" panose="02020603050405020304" pitchFamily="18" charset="0"/>
+              </a:rPr>
+              <a:t>GOAP je metodou klasického plánování, který využívá abstraktní mode</a:t>
+            </a:r>
+            <a:r>
+              <a:rPr lang="cs-CZ" dirty="0">
+                <a:solidFill>
+                  <a:srgbClr val="000000"/>
+                </a:solidFill>
+                <a:latin typeface="Times New Roman" panose="02020603050405020304" pitchFamily="18" charset="0"/>
+                <a:cs typeface="Times New Roman" panose="02020603050405020304" pitchFamily="18" charset="0"/>
+              </a:rPr>
+              <a:t>l světa, k učinění rozhodnutí, která mění svět k požadovanému výsledku</a:t>
+            </a:r>
+          </a:p>
+          <a:p>
+            <a:r>
+              <a:rPr lang="cs-CZ" i="0" dirty="0">
+                <a:solidFill>
+                  <a:srgbClr val="000000"/>
+                </a:solidFill>
+                <a:effectLst/>
+                <a:latin typeface="Times New Roman" panose="02020603050405020304" pitchFamily="18" charset="0"/>
+                <a:cs typeface="Times New Roman" panose="02020603050405020304" pitchFamily="18" charset="0"/>
+              </a:rPr>
+              <a:t>Spolu s GOAP </a:t>
+            </a:r>
+            <a:r>
+              <a:rPr lang="cs-CZ" dirty="0">
+                <a:solidFill>
+                  <a:srgbClr val="000000"/>
+                </a:solidFill>
+                <a:latin typeface="Times New Roman" panose="02020603050405020304" pitchFamily="18" charset="0"/>
+                <a:cs typeface="Times New Roman" panose="02020603050405020304" pitchFamily="18" charset="0"/>
+              </a:rPr>
+              <a:t>využívá i BDI </a:t>
+            </a:r>
+            <a:r>
+              <a:rPr lang="en-US" dirty="0">
+                <a:solidFill>
+                  <a:srgbClr val="000000"/>
+                </a:solidFill>
+                <a:latin typeface="Times New Roman" panose="02020603050405020304" pitchFamily="18" charset="0"/>
+                <a:cs typeface="Times New Roman" panose="02020603050405020304" pitchFamily="18" charset="0"/>
+              </a:rPr>
+              <a:t>(</a:t>
+            </a:r>
+            <a:r>
+              <a:rPr lang="cs-CZ" dirty="0">
+                <a:solidFill>
+                  <a:srgbClr val="000000"/>
+                </a:solidFill>
+                <a:latin typeface="Times New Roman" panose="02020603050405020304" pitchFamily="18" charset="0"/>
+                <a:cs typeface="Times New Roman" panose="02020603050405020304" pitchFamily="18" charset="0"/>
+              </a:rPr>
+              <a:t>Belief </a:t>
+            </a:r>
+            <a:r>
+              <a:rPr lang="en-US" dirty="0">
+                <a:solidFill>
+                  <a:srgbClr val="000000"/>
+                </a:solidFill>
+                <a:latin typeface="Times New Roman" panose="02020603050405020304" pitchFamily="18" charset="0"/>
+                <a:cs typeface="Times New Roman" panose="02020603050405020304" pitchFamily="18" charset="0"/>
+              </a:rPr>
+              <a:t>Desire Intention) </a:t>
+            </a:r>
+            <a:br>
+              <a:rPr lang="en-US" dirty="0">
+                <a:solidFill>
+                  <a:srgbClr val="000000"/>
+                </a:solidFill>
+                <a:latin typeface="Times New Roman" panose="02020603050405020304" pitchFamily="18" charset="0"/>
+                <a:cs typeface="Times New Roman" panose="02020603050405020304" pitchFamily="18" charset="0"/>
+              </a:rPr>
+            </a:br>
+            <a:r>
+              <a:rPr lang="en-US" dirty="0">
+                <a:solidFill>
+                  <a:srgbClr val="000000"/>
+                </a:solidFill>
+                <a:latin typeface="Times New Roman" panose="02020603050405020304" pitchFamily="18" charset="0"/>
+                <a:cs typeface="Times New Roman" panose="02020603050405020304" pitchFamily="18" charset="0"/>
+              </a:rPr>
+              <a:t>system. </a:t>
+            </a:r>
+            <a:r>
+              <a:rPr lang="cs-CZ" dirty="0">
+                <a:solidFill>
+                  <a:srgbClr val="000000"/>
+                </a:solidFill>
+                <a:latin typeface="Times New Roman" panose="02020603050405020304" pitchFamily="18" charset="0"/>
+                <a:cs typeface="Times New Roman" panose="02020603050405020304" pitchFamily="18" charset="0"/>
+              </a:rPr>
+              <a:t>To znamená že AI si tvoří soubor přesvědčení,</a:t>
+            </a:r>
+            <a:br>
+              <a:rPr lang="cs-CZ" dirty="0">
+                <a:solidFill>
+                  <a:srgbClr val="000000"/>
+                </a:solidFill>
+                <a:latin typeface="Times New Roman" panose="02020603050405020304" pitchFamily="18" charset="0"/>
+                <a:cs typeface="Times New Roman" panose="02020603050405020304" pitchFamily="18" charset="0"/>
+              </a:rPr>
+            </a:br>
+            <a:r>
+              <a:rPr lang="cs-CZ" dirty="0">
+                <a:solidFill>
+                  <a:srgbClr val="000000"/>
+                </a:solidFill>
+                <a:latin typeface="Times New Roman" panose="02020603050405020304" pitchFamily="18" charset="0"/>
+                <a:cs typeface="Times New Roman" panose="02020603050405020304" pitchFamily="18" charset="0"/>
+              </a:rPr>
+              <a:t>přání a záměrů, podle kterých řídí rozhodovací procesy </a:t>
+            </a:r>
+            <a:endParaRPr lang="cs-CZ" b="1" dirty="0">
+              <a:latin typeface="Times New Roman" panose="02020603050405020304" pitchFamily="18" charset="0"/>
+              <a:cs typeface="Times New Roman" panose="02020603050405020304" pitchFamily="18" charset="0"/>
+            </a:endParaRPr>
+          </a:p>
+        </p:txBody>
+      </p:sp>
+      <p:sp>
+        <p:nvSpPr>
+          <p:cNvPr id="6" name="TextovéPole 5">
+            <a:extLst>
+              <a:ext uri="{FF2B5EF4-FFF2-40B4-BE49-F238E27FC236}">
+                <a16:creationId xmlns:a16="http://schemas.microsoft.com/office/drawing/2014/main" id="{F89DAA55-37A9-45F3-BCBF-82D19454651F}"/>
+              </a:ext>
+            </a:extLst>
+          </p:cNvPr>
+          <p:cNvSpPr txBox="1"/>
+          <p:nvPr/>
+        </p:nvSpPr>
+        <p:spPr>
+          <a:xfrm>
+            <a:off x="8364267" y="6172199"/>
+            <a:ext cx="2289848" cy="276999"/>
+          </a:xfrm>
+          <a:prstGeom prst="rect">
+            <a:avLst/>
+          </a:prstGeom>
+          <a:noFill/>
+        </p:spPr>
+        <p:txBody>
+          <a:bodyPr wrap="square">
+            <a:spAutoFit/>
+          </a:bodyPr>
+          <a:lstStyle/>
+          <a:p>
+            <a:r>
+              <a:rPr lang="cs-CZ" sz="1200" dirty="0">
+                <a:latin typeface="Times New Roman" panose="02020603050405020304" pitchFamily="18" charset="0"/>
+                <a:cs typeface="Times New Roman" panose="02020603050405020304" pitchFamily="18" charset="0"/>
+              </a:rPr>
+              <a:t>Obr.6 Empire: Total War kampaň</a:t>
+            </a:r>
+            <a:endParaRPr lang="cs-CZ" sz="1200" dirty="0"/>
           </a:p>
         </p:txBody>
       </p:sp>
@@ -6336,4 +8461,299 @@
     </a:ext>
   </a:extLst>
 </a:theme>
+</file>
+
+<file path=ppt/theme/theme2.xml><?xml version="1.0" encoding="utf-8"?>
+<a:theme xmlns:a="http://schemas.openxmlformats.org/drawingml/2006/main" name="Motiv Office">
+  <a:themeElements>
+    <a:clrScheme name="Office">
+      <a:dk1>
+        <a:sysClr val="windowText" lastClr="000000"/>
+      </a:dk1>
+      <a:lt1>
+        <a:sysClr val="window" lastClr="FFFFFF"/>
+      </a:lt1>
+      <a:dk2>
+        <a:srgbClr val="44546A"/>
+      </a:dk2>
+      <a:lt2>
+        <a:srgbClr val="E7E6E6"/>
+      </a:lt2>
+      <a:accent1>
+        <a:srgbClr val="4472C4"/>
+      </a:accent1>
+      <a:accent2>
+        <a:srgbClr val="ED7D31"/>
+      </a:accent2>
+      <a:accent3>
+        <a:srgbClr val="A5A5A5"/>
+      </a:accent3>
+      <a:accent4>
+        <a:srgbClr val="FFC000"/>
+      </a:accent4>
+      <a:accent5>
+        <a:srgbClr val="5B9BD5"/>
+      </a:accent5>
+      <a:accent6>
+        <a:srgbClr val="70AD47"/>
+      </a:accent6>
+      <a:hlink>
+        <a:srgbClr val="0563C1"/>
+      </a:hlink>
+      <a:folHlink>
+        <a:srgbClr val="954F72"/>
+      </a:folHlink>
+    </a:clrScheme>
+    <a:fontScheme name="Office">
+      <a:majorFont>
+        <a:latin typeface="Calibri Light" panose="020F0302020204030204"/>
+        <a:ea typeface=""/>
+        <a:cs typeface=""/>
+        <a:font script="Jpan" typeface="游ゴシック Light"/>
+        <a:font script="Hang" typeface="맑은 고딕"/>
+        <a:font script="Hans" typeface="等线 Light"/>
+        <a:font script="Hant" typeface="新細明體"/>
+        <a:font script="Arab" typeface="Times New Roman"/>
+        <a:font script="Hebr" typeface="Times New Roman"/>
+        <a:font script="Thai" typeface="Angsana New"/>
+        <a:font script="Ethi" typeface="Nyala"/>
+        <a:font script="Beng" typeface="Vrinda"/>
+        <a:font script="Gujr" typeface="Shruti"/>
+        <a:font script="Khmr" typeface="MoolBoran"/>
+        <a:font script="Knda" typeface="Tunga"/>
+        <a:font script="Guru" typeface="Raavi"/>
+        <a:font script="Cans" typeface="Euphemia"/>
+        <a:font script="Cher" typeface="Plantagenet Cherokee"/>
+        <a:font script="Yiii" typeface="Microsoft Yi Baiti"/>
+        <a:font script="Tibt" typeface="Microsoft Himalaya"/>
+        <a:font script="Thaa" typeface="MV Boli"/>
+        <a:font script="Deva" typeface="Mangal"/>
+        <a:font script="Telu" typeface="Gautami"/>
+        <a:font script="Taml" typeface="Latha"/>
+        <a:font script="Syrc" typeface="Estrangelo Edessa"/>
+        <a:font script="Orya" typeface="Kalinga"/>
+        <a:font script="Mlym" typeface="Kartika"/>
+        <a:font script="Laoo" typeface="DokChampa"/>
+        <a:font script="Sinh" typeface="Iskoola Pota"/>
+        <a:font script="Mong" typeface="Mongolian Baiti"/>
+        <a:font script="Viet" typeface="Times New Roman"/>
+        <a:font script="Uigh" typeface="Microsoft Uighur"/>
+        <a:font script="Geor" typeface="Sylfaen"/>
+        <a:font script="Armn" typeface="Arial"/>
+        <a:font script="Bugi" typeface="Leelawadee UI"/>
+        <a:font script="Bopo" typeface="Microsoft JhengHei"/>
+        <a:font script="Java" typeface="Javanese Text"/>
+        <a:font script="Lisu" typeface="Segoe UI"/>
+        <a:font script="Mymr" typeface="Myanmar Text"/>
+        <a:font script="Nkoo" typeface="Ebrima"/>
+        <a:font script="Olck" typeface="Nirmala UI"/>
+        <a:font script="Osma" typeface="Ebrima"/>
+        <a:font script="Phag" typeface="Phagspa"/>
+        <a:font script="Syrn" typeface="Estrangelo Edessa"/>
+        <a:font script="Syrj" typeface="Estrangelo Edessa"/>
+        <a:font script="Syre" typeface="Estrangelo Edessa"/>
+        <a:font script="Sora" typeface="Nirmala UI"/>
+        <a:font script="Tale" typeface="Microsoft Tai Le"/>
+        <a:font script="Talu" typeface="Microsoft New Tai Lue"/>
+        <a:font script="Tfng" typeface="Ebrima"/>
+      </a:majorFont>
+      <a:minorFont>
+        <a:latin typeface="Calibri" panose="020F0502020204030204"/>
+        <a:ea typeface=""/>
+        <a:cs typeface=""/>
+        <a:font script="Jpan" typeface="游ゴシック"/>
+        <a:font script="Hang" typeface="맑은 고딕"/>
+        <a:font script="Hans" typeface="等线"/>
+        <a:font script="Hant" typeface="新細明體"/>
+        <a:font script="Arab" typeface="Arial"/>
+        <a:font script="Hebr" typeface="Arial"/>
+        <a:font script="Thai" typeface="Cordia New"/>
+        <a:font script="Ethi" typeface="Nyala"/>
+        <a:font script="Beng" typeface="Vrinda"/>
+        <a:font script="Gujr" typeface="Shruti"/>
+        <a:font script="Khmr" typeface="DaunPenh"/>
+        <a:font script="Knda" typeface="Tunga"/>
+        <a:font script="Guru" typeface="Raavi"/>
+        <a:font script="Cans" typeface="Euphemia"/>
+        <a:font script="Cher" typeface="Plantagenet Cherokee"/>
+        <a:font script="Yiii" typeface="Microsoft Yi Baiti"/>
+        <a:font script="Tibt" typeface="Microsoft Himalaya"/>
+        <a:font script="Thaa" typeface="MV Boli"/>
+        <a:font script="Deva" typeface="Mangal"/>
+        <a:font script="Telu" typeface="Gautami"/>
+        <a:font script="Taml" typeface="Latha"/>
+        <a:font script="Syrc" typeface="Estrangelo Edessa"/>
+        <a:font script="Orya" typeface="Kalinga"/>
+        <a:font script="Mlym" typeface="Kartika"/>
+        <a:font script="Laoo" typeface="DokChampa"/>
+        <a:font script="Sinh" typeface="Iskoola Pota"/>
+        <a:font script="Mong" typeface="Mongolian Baiti"/>
+        <a:font script="Viet" typeface="Arial"/>
+        <a:font script="Uigh" typeface="Microsoft Uighur"/>
+        <a:font script="Geor" typeface="Sylfaen"/>
+        <a:font script="Armn" typeface="Arial"/>
+        <a:font script="Bugi" typeface="Leelawadee UI"/>
+        <a:font script="Bopo" typeface="Microsoft JhengHei"/>
+        <a:font script="Java" typeface="Javanese Text"/>
+        <a:font script="Lisu" typeface="Segoe UI"/>
+        <a:font script="Mymr" typeface="Myanmar Text"/>
+        <a:font script="Nkoo" typeface="Ebrima"/>
+        <a:font script="Olck" typeface="Nirmala UI"/>
+        <a:font script="Osma" typeface="Ebrima"/>
+        <a:font script="Phag" typeface="Phagspa"/>
+        <a:font script="Syrn" typeface="Estrangelo Edessa"/>
+        <a:font script="Syrj" typeface="Estrangelo Edessa"/>
+        <a:font script="Syre" typeface="Estrangelo Edessa"/>
+        <a:font script="Sora" typeface="Nirmala UI"/>
+        <a:font script="Tale" typeface="Microsoft Tai Le"/>
+        <a:font script="Talu" typeface="Microsoft New Tai Lue"/>
+        <a:font script="Tfng" typeface="Ebrima"/>
+      </a:minorFont>
+    </a:fontScheme>
+    <a:fmtScheme name="Office">
+      <a:fillStyleLst>
+        <a:solidFill>
+          <a:schemeClr val="phClr"/>
+        </a:solidFill>
+        <a:gradFill rotWithShape="1">
+          <a:gsLst>
+            <a:gs pos="0">
+              <a:schemeClr val="phClr">
+                <a:lumMod val="110000"/>
+                <a:satMod val="105000"/>
+                <a:tint val="67000"/>
+              </a:schemeClr>
+            </a:gs>
+            <a:gs pos="50000">
+              <a:schemeClr val="phClr">
+                <a:lumMod val="105000"/>
+                <a:satMod val="103000"/>
+                <a:tint val="73000"/>
+              </a:schemeClr>
+            </a:gs>
+            <a:gs pos="100000">
+              <a:schemeClr val="phClr">
+                <a:lumMod val="105000"/>
+                <a:satMod val="109000"/>
+                <a:tint val="81000"/>
+              </a:schemeClr>
+            </a:gs>
+          </a:gsLst>
+          <a:lin ang="5400000" scaled="0"/>
+        </a:gradFill>
+        <a:gradFill rotWithShape="1">
+          <a:gsLst>
+            <a:gs pos="0">
+              <a:schemeClr val="phClr">
+                <a:satMod val="103000"/>
+                <a:lumMod val="102000"/>
+                <a:tint val="94000"/>
+              </a:schemeClr>
+            </a:gs>
+            <a:gs pos="50000">
+              <a:schemeClr val="phClr">
+                <a:satMod val="110000"/>
+                <a:lumMod val="100000"/>
+                <a:shade val="100000"/>
+              </a:schemeClr>
+            </a:gs>
+            <a:gs pos="100000">
+              <a:schemeClr val="phClr">
+                <a:lumMod val="99000"/>
+                <a:satMod val="120000"/>
+                <a:shade val="78000"/>
+              </a:schemeClr>
+            </a:gs>
+          </a:gsLst>
+          <a:lin ang="5400000" scaled="0"/>
+        </a:gradFill>
+      </a:fillStyleLst>
+      <a:lnStyleLst>
+        <a:ln w="6350" cap="flat" cmpd="sng" algn="ctr">
+          <a:solidFill>
+            <a:schemeClr val="phClr"/>
+          </a:solidFill>
+          <a:prstDash val="solid"/>
+          <a:miter lim="800000"/>
+        </a:ln>
+        <a:ln w="12700" cap="flat" cmpd="sng" algn="ctr">
+          <a:solidFill>
+            <a:schemeClr val="phClr"/>
+          </a:solidFill>
+          <a:prstDash val="solid"/>
+          <a:miter lim="800000"/>
+        </a:ln>
+        <a:ln w="19050" cap="flat" cmpd="sng" algn="ctr">
+          <a:solidFill>
+            <a:schemeClr val="phClr"/>
+          </a:solidFill>
+          <a:prstDash val="solid"/>
+          <a:miter lim="800000"/>
+        </a:ln>
+      </a:lnStyleLst>
+      <a:effectStyleLst>
+        <a:effectStyle>
+          <a:effectLst/>
+        </a:effectStyle>
+        <a:effectStyle>
+          <a:effectLst/>
+        </a:effectStyle>
+        <a:effectStyle>
+          <a:effectLst>
+            <a:outerShdw blurRad="57150" dist="19050" dir="5400000" algn="ctr" rotWithShape="0">
+              <a:srgbClr val="000000">
+                <a:alpha val="63000"/>
+              </a:srgbClr>
+            </a:outerShdw>
+          </a:effectLst>
+        </a:effectStyle>
+      </a:effectStyleLst>
+      <a:bgFillStyleLst>
+        <a:solidFill>
+          <a:schemeClr val="phClr"/>
+        </a:solidFill>
+        <a:solidFill>
+          <a:schemeClr val="phClr">
+            <a:tint val="95000"/>
+            <a:satMod val="170000"/>
+          </a:schemeClr>
+        </a:solidFill>
+        <a:gradFill rotWithShape="1">
+          <a:gsLst>
+            <a:gs pos="0">
+              <a:schemeClr val="phClr">
+                <a:tint val="93000"/>
+                <a:satMod val="150000"/>
+                <a:shade val="98000"/>
+                <a:lumMod val="102000"/>
+              </a:schemeClr>
+            </a:gs>
+            <a:gs pos="50000">
+              <a:schemeClr val="phClr">
+                <a:tint val="98000"/>
+                <a:satMod val="130000"/>
+                <a:shade val="90000"/>
+                <a:lumMod val="103000"/>
+              </a:schemeClr>
+            </a:gs>
+            <a:gs pos="100000">
+              <a:schemeClr val="phClr">
+                <a:shade val="63000"/>
+                <a:satMod val="120000"/>
+              </a:schemeClr>
+            </a:gs>
+          </a:gsLst>
+          <a:lin ang="5400000" scaled="0"/>
+        </a:gradFill>
+      </a:bgFillStyleLst>
+    </a:fmtScheme>
+  </a:themeElements>
+  <a:objectDefaults/>
+  <a:extraClrSchemeLst/>
+  <a:extLst>
+    <a:ext uri="{05A4C25C-085E-4340-85A3-A5531E510DB2}">
+      <thm15:themeFamily xmlns:thm15="http://schemas.microsoft.com/office/thememl/2012/main" name="Office Theme" id="{62F939B6-93AF-4DB8-9C6B-D6C7DFDC589F}" vid="{4A3C46E8-61CC-4603-A589-7422A47A8E4A}"/>
+    </a:ext>
+  </a:extLst>
+</a:theme>
 </file>